--- a/ppt/000a - HTML Basics.pptx
+++ b/ppt/000a - HTML Basics.pptx
@@ -21,6 +21,7 @@
     <p:sldId id="266" r:id="rId18"/>
     <p:sldId id="267" r:id="rId19"/>
     <p:sldId id="268" r:id="rId20"/>
+    <p:sldId id="269" r:id="rId21"/>
   </p:sldIdLst>
   <p:sldSz cx="9144000" cy="5143500"/>
   <p:notesSz cx="6858000" cy="9144000"/>
@@ -78,7 +79,7 @@
         <a:latin typeface="+mj-lt"/>
         <a:ea typeface="+mj-ea"/>
         <a:cs typeface="+mj-cs"/>
-        <a:sym typeface="Arial"/>
+        <a:sym typeface="Helvetica"/>
       </a:defRPr>
     </a:lvl1pPr>
     <a:lvl2pPr marL="0" marR="0" indent="0" algn="l" defTabSz="914400" rtl="0" fontAlgn="auto" latinLnBrk="0" hangingPunct="0">
@@ -108,7 +109,7 @@
         <a:latin typeface="+mj-lt"/>
         <a:ea typeface="+mj-ea"/>
         <a:cs typeface="+mj-cs"/>
-        <a:sym typeface="Arial"/>
+        <a:sym typeface="Helvetica"/>
       </a:defRPr>
     </a:lvl2pPr>
     <a:lvl3pPr marL="0" marR="0" indent="0" algn="l" defTabSz="914400" rtl="0" fontAlgn="auto" latinLnBrk="0" hangingPunct="0">
@@ -138,7 +139,7 @@
         <a:latin typeface="+mj-lt"/>
         <a:ea typeface="+mj-ea"/>
         <a:cs typeface="+mj-cs"/>
-        <a:sym typeface="Arial"/>
+        <a:sym typeface="Helvetica"/>
       </a:defRPr>
     </a:lvl3pPr>
     <a:lvl4pPr marL="0" marR="0" indent="0" algn="l" defTabSz="914400" rtl="0" fontAlgn="auto" latinLnBrk="0" hangingPunct="0">
@@ -168,7 +169,7 @@
         <a:latin typeface="+mj-lt"/>
         <a:ea typeface="+mj-ea"/>
         <a:cs typeface="+mj-cs"/>
-        <a:sym typeface="Arial"/>
+        <a:sym typeface="Helvetica"/>
       </a:defRPr>
     </a:lvl4pPr>
     <a:lvl5pPr marL="0" marR="0" indent="0" algn="l" defTabSz="914400" rtl="0" fontAlgn="auto" latinLnBrk="0" hangingPunct="0">
@@ -198,7 +199,7 @@
         <a:latin typeface="+mj-lt"/>
         <a:ea typeface="+mj-ea"/>
         <a:cs typeface="+mj-cs"/>
-        <a:sym typeface="Arial"/>
+        <a:sym typeface="Helvetica"/>
       </a:defRPr>
     </a:lvl5pPr>
     <a:lvl6pPr marL="0" marR="0" indent="0" algn="l" defTabSz="914400" rtl="0" fontAlgn="auto" latinLnBrk="0" hangingPunct="0">
@@ -228,7 +229,7 @@
         <a:latin typeface="+mj-lt"/>
         <a:ea typeface="+mj-ea"/>
         <a:cs typeface="+mj-cs"/>
-        <a:sym typeface="Arial"/>
+        <a:sym typeface="Helvetica"/>
       </a:defRPr>
     </a:lvl6pPr>
     <a:lvl7pPr marL="0" marR="0" indent="0" algn="l" defTabSz="914400" rtl="0" fontAlgn="auto" latinLnBrk="0" hangingPunct="0">
@@ -258,7 +259,7 @@
         <a:latin typeface="+mj-lt"/>
         <a:ea typeface="+mj-ea"/>
         <a:cs typeface="+mj-cs"/>
-        <a:sym typeface="Arial"/>
+        <a:sym typeface="Helvetica"/>
       </a:defRPr>
     </a:lvl7pPr>
     <a:lvl8pPr marL="0" marR="0" indent="0" algn="l" defTabSz="914400" rtl="0" fontAlgn="auto" latinLnBrk="0" hangingPunct="0">
@@ -288,7 +289,7 @@
         <a:latin typeface="+mj-lt"/>
         <a:ea typeface="+mj-ea"/>
         <a:cs typeface="+mj-cs"/>
-        <a:sym typeface="Arial"/>
+        <a:sym typeface="Helvetica"/>
       </a:defRPr>
     </a:lvl8pPr>
     <a:lvl9pPr marL="0" marR="0" indent="0" algn="l" defTabSz="914400" rtl="0" fontAlgn="auto" latinLnBrk="0" hangingPunct="0">
@@ -318,7 +319,7 @@
         <a:latin typeface="+mj-lt"/>
         <a:ea typeface="+mj-ea"/>
         <a:cs typeface="+mj-cs"/>
-        <a:sym typeface="Arial"/>
+        <a:sym typeface="Helvetica"/>
       </a:defRPr>
     </a:lvl9pPr>
   </p:defaultTextStyle>
@@ -402,73 +403,73 @@
   <p:notesStyle>
     <a:lvl1pPr latinLnBrk="0">
       <a:defRPr sz="1400">
-        <a:latin typeface="+mj-lt"/>
-        <a:ea typeface="+mj-ea"/>
-        <a:cs typeface="+mj-cs"/>
+        <a:latin typeface="+mn-lt"/>
+        <a:ea typeface="+mn-ea"/>
+        <a:cs typeface="+mn-cs"/>
         <a:sym typeface="Arial"/>
       </a:defRPr>
     </a:lvl1pPr>
     <a:lvl2pPr indent="228600" latinLnBrk="0">
       <a:defRPr sz="1400">
-        <a:latin typeface="+mj-lt"/>
-        <a:ea typeface="+mj-ea"/>
-        <a:cs typeface="+mj-cs"/>
+        <a:latin typeface="+mn-lt"/>
+        <a:ea typeface="+mn-ea"/>
+        <a:cs typeface="+mn-cs"/>
         <a:sym typeface="Arial"/>
       </a:defRPr>
     </a:lvl2pPr>
     <a:lvl3pPr indent="457200" latinLnBrk="0">
       <a:defRPr sz="1400">
-        <a:latin typeface="+mj-lt"/>
-        <a:ea typeface="+mj-ea"/>
-        <a:cs typeface="+mj-cs"/>
+        <a:latin typeface="+mn-lt"/>
+        <a:ea typeface="+mn-ea"/>
+        <a:cs typeface="+mn-cs"/>
         <a:sym typeface="Arial"/>
       </a:defRPr>
     </a:lvl3pPr>
     <a:lvl4pPr indent="685800" latinLnBrk="0">
       <a:defRPr sz="1400">
-        <a:latin typeface="+mj-lt"/>
-        <a:ea typeface="+mj-ea"/>
-        <a:cs typeface="+mj-cs"/>
+        <a:latin typeface="+mn-lt"/>
+        <a:ea typeface="+mn-ea"/>
+        <a:cs typeface="+mn-cs"/>
         <a:sym typeface="Arial"/>
       </a:defRPr>
     </a:lvl4pPr>
     <a:lvl5pPr indent="914400" latinLnBrk="0">
       <a:defRPr sz="1400">
-        <a:latin typeface="+mj-lt"/>
-        <a:ea typeface="+mj-ea"/>
-        <a:cs typeface="+mj-cs"/>
+        <a:latin typeface="+mn-lt"/>
+        <a:ea typeface="+mn-ea"/>
+        <a:cs typeface="+mn-cs"/>
         <a:sym typeface="Arial"/>
       </a:defRPr>
     </a:lvl5pPr>
     <a:lvl6pPr indent="1143000" latinLnBrk="0">
       <a:defRPr sz="1400">
-        <a:latin typeface="+mj-lt"/>
-        <a:ea typeface="+mj-ea"/>
-        <a:cs typeface="+mj-cs"/>
+        <a:latin typeface="+mn-lt"/>
+        <a:ea typeface="+mn-ea"/>
+        <a:cs typeface="+mn-cs"/>
         <a:sym typeface="Arial"/>
       </a:defRPr>
     </a:lvl6pPr>
     <a:lvl7pPr indent="1371600" latinLnBrk="0">
       <a:defRPr sz="1400">
-        <a:latin typeface="+mj-lt"/>
-        <a:ea typeface="+mj-ea"/>
-        <a:cs typeface="+mj-cs"/>
+        <a:latin typeface="+mn-lt"/>
+        <a:ea typeface="+mn-ea"/>
+        <a:cs typeface="+mn-cs"/>
         <a:sym typeface="Arial"/>
       </a:defRPr>
     </a:lvl7pPr>
     <a:lvl8pPr indent="1600200" latinLnBrk="0">
       <a:defRPr sz="1400">
-        <a:latin typeface="+mj-lt"/>
-        <a:ea typeface="+mj-ea"/>
-        <a:cs typeface="+mj-cs"/>
+        <a:latin typeface="+mn-lt"/>
+        <a:ea typeface="+mn-ea"/>
+        <a:cs typeface="+mn-cs"/>
         <a:sym typeface="Arial"/>
       </a:defRPr>
     </a:lvl8pPr>
     <a:lvl9pPr indent="1828800" latinLnBrk="0">
       <a:defRPr sz="1400">
-        <a:latin typeface="+mj-lt"/>
-        <a:ea typeface="+mj-ea"/>
-        <a:cs typeface="+mj-cs"/>
+        <a:latin typeface="+mn-lt"/>
+        <a:ea typeface="+mn-ea"/>
+        <a:cs typeface="+mn-cs"/>
         <a:sym typeface="Arial"/>
       </a:defRPr>
     </a:lvl9pPr>
@@ -503,8 +504,8 @@
         </p:nvSpPr>
         <p:spPr>
           <a:xfrm>
-            <a:off x="311708" y="744574"/>
-            <a:ext cx="8520601" cy="2052601"/>
+            <a:off x="311708" y="744573"/>
+            <a:ext cx="8520601" cy="2052603"/>
           </a:xfrm>
           <a:prstGeom prst="rect">
             <a:avLst/>
@@ -535,8 +536,8 @@
         </p:nvSpPr>
         <p:spPr>
           <a:xfrm>
-            <a:off x="311699" y="2834125"/>
-            <a:ext cx="8520602" cy="792601"/>
+            <a:off x="311698" y="2834125"/>
+            <a:ext cx="8520603" cy="792602"/>
           </a:xfrm>
           <a:prstGeom prst="rect">
             <a:avLst/>
@@ -545,7 +546,7 @@
         <p:txBody>
           <a:bodyPr/>
           <a:lstStyle>
-            <a:lvl1pPr marL="342900" indent="-228600" algn="ctr">
+            <a:lvl1pPr marL="228600" indent="-114300" algn="ctr">
               <a:lnSpc>
                 <a:spcPct val="100000"/>
               </a:lnSpc>
@@ -555,7 +556,7 @@
               <a:buNone/>
               <a:defRPr sz="2800"/>
             </a:lvl1pPr>
-            <a:lvl2pPr marL="342900" indent="254000" algn="ctr">
+            <a:lvl2pPr marL="228600" indent="114300" algn="ctr">
               <a:lnSpc>
                 <a:spcPct val="100000"/>
               </a:lnSpc>
@@ -565,7 +566,7 @@
               <a:buNone/>
               <a:defRPr sz="2800"/>
             </a:lvl2pPr>
-            <a:lvl3pPr marL="342900" indent="711200" algn="ctr">
+            <a:lvl3pPr marL="228600" indent="114300" algn="ctr">
               <a:lnSpc>
                 <a:spcPct val="100000"/>
               </a:lnSpc>
@@ -575,7 +576,7 @@
               <a:buNone/>
               <a:defRPr sz="2800"/>
             </a:lvl3pPr>
-            <a:lvl4pPr marL="342900" indent="1168400" algn="ctr">
+            <a:lvl4pPr marL="228600" indent="114300" algn="ctr">
               <a:lnSpc>
                 <a:spcPct val="100000"/>
               </a:lnSpc>
@@ -585,7 +586,7 @@
               <a:buNone/>
               <a:defRPr sz="2800"/>
             </a:lvl4pPr>
-            <a:lvl5pPr marL="342900" indent="1625600" algn="ctr">
+            <a:lvl5pPr marL="228600" indent="114300" algn="ctr">
               <a:lnSpc>
                 <a:spcPct val="100000"/>
               </a:lnSpc>
@@ -686,8 +687,8 @@
         </p:nvSpPr>
         <p:spPr>
           <a:xfrm>
-            <a:off x="311699" y="1106125"/>
-            <a:ext cx="8520602" cy="1963500"/>
+            <a:off x="311698" y="1106125"/>
+            <a:ext cx="8520603" cy="1963500"/>
           </a:xfrm>
           <a:prstGeom prst="rect">
             <a:avLst/>
@@ -718,8 +719,8 @@
         </p:nvSpPr>
         <p:spPr>
           <a:xfrm>
-            <a:off x="311699" y="3152225"/>
-            <a:ext cx="8520602" cy="1300800"/>
+            <a:off x="311698" y="3152225"/>
+            <a:ext cx="8520603" cy="1300800"/>
           </a:xfrm>
           <a:prstGeom prst="rect">
             <a:avLst/>
@@ -881,8 +882,8 @@
         </p:nvSpPr>
         <p:spPr>
           <a:xfrm>
-            <a:off x="1135856" y="-5954"/>
-            <a:ext cx="6872288" cy="781051"/>
+            <a:off x="1135856" y="-5955"/>
+            <a:ext cx="6872288" cy="781053"/>
           </a:xfrm>
           <a:custGeom>
             <a:avLst/>
@@ -966,7 +967,7 @@
           </a:ln>
         </p:spPr>
         <p:txBody>
-          <a:bodyPr lIns="34289" tIns="34289" rIns="34289" bIns="34289"/>
+          <a:bodyPr lIns="0" tIns="0" rIns="0" bIns="0"/>
           <a:lstStyle/>
           <a:p>
             <a:pPr defTabSz="685800">
@@ -988,8 +989,8 @@
         </p:nvSpPr>
         <p:spPr>
           <a:xfrm>
-            <a:off x="4429125" y="-5954"/>
-            <a:ext cx="3571875" cy="455410"/>
+            <a:off x="4429124" y="-5955"/>
+            <a:ext cx="3571876" cy="455418"/>
           </a:xfrm>
           <a:custGeom>
             <a:avLst/>
@@ -1060,7 +1061,7 @@
           </a:ln>
         </p:spPr>
         <p:txBody>
-          <a:bodyPr lIns="34289" tIns="34289" rIns="34289" bIns="34289"/>
+          <a:bodyPr lIns="0" tIns="0" rIns="0" bIns="0"/>
           <a:lstStyle/>
           <a:p>
             <a:pPr defTabSz="685800">
@@ -1083,9 +1084,9 @@
         <p:grpSpPr>
           <a:xfrm>
             <a:off x="1138427" y="-18288"/>
-            <a:ext cx="6867145" cy="786385"/>
+            <a:ext cx="6867147" cy="786386"/>
             <a:chOff x="0" y="0"/>
-            <a:chExt cx="6867143" cy="786383"/>
+            <a:chExt cx="6867145" cy="786385"/>
           </a:xfrm>
         </p:grpSpPr>
         <p:pic>
@@ -1107,7 +1108,7 @@
           <p:spPr>
             <a:xfrm>
               <a:off x="0" y="0"/>
-              <a:ext cx="6853428" cy="786384"/>
+              <a:ext cx="6853430" cy="786386"/>
             </a:xfrm>
             <a:prstGeom prst="rect">
               <a:avLst/>
@@ -1138,7 +1139,7 @@
           <p:spPr>
             <a:xfrm>
               <a:off x="0" y="54863"/>
-              <a:ext cx="6867144" cy="681229"/>
+              <a:ext cx="6867147" cy="681231"/>
             </a:xfrm>
             <a:prstGeom prst="rect">
               <a:avLst/>
@@ -1161,7 +1162,7 @@
         </p:nvSpPr>
         <p:spPr>
           <a:xfrm>
-            <a:off x="7531099" y="4901406"/>
+            <a:off x="7531100" y="4901406"/>
             <a:ext cx="127001" cy="139701"/>
           </a:xfrm>
           <a:prstGeom prst="rect">
@@ -1225,8 +1226,8 @@
         </p:nvSpPr>
         <p:spPr>
           <a:xfrm>
-            <a:off x="311699" y="2150849"/>
-            <a:ext cx="8520602" cy="841801"/>
+            <a:off x="311698" y="2150848"/>
+            <a:ext cx="8520603" cy="841802"/>
           </a:xfrm>
           <a:prstGeom prst="rect">
             <a:avLst/>
@@ -1449,8 +1450,8 @@
         </p:nvSpPr>
         <p:spPr>
           <a:xfrm>
-            <a:off x="311699" y="1152475"/>
-            <a:ext cx="3999902" cy="3416400"/>
+            <a:off x="311698" y="1152475"/>
+            <a:ext cx="3999903" cy="3416400"/>
           </a:xfrm>
           <a:prstGeom prst="rect">
             <a:avLst/>
@@ -1522,8 +1523,8 @@
         </p:nvSpPr>
         <p:spPr>
           <a:xfrm>
-            <a:off x="4832399" y="1152475"/>
-            <a:ext cx="3999902" cy="3416400"/>
+            <a:off x="4832398" y="1152475"/>
+            <a:ext cx="3999903" cy="3416400"/>
           </a:xfrm>
           <a:prstGeom prst="rect">
             <a:avLst/>
@@ -1533,10 +1534,7 @@
           <a:bodyPr/>
           <a:lstStyle/>
           <a:p>
-            <a:pPr indent="-317500">
-              <a:buSzPts val="1400"/>
-              <a:defRPr sz="1400"/>
-            </a:pPr>
+            <a:pPr/>
           </a:p>
         </p:txBody>
       </p:sp>
@@ -1670,8 +1668,8 @@
         </p:nvSpPr>
         <p:spPr>
           <a:xfrm>
-            <a:off x="311699" y="555600"/>
-            <a:ext cx="2808001" cy="755700"/>
+            <a:off x="311698" y="555600"/>
+            <a:ext cx="2808003" cy="755700"/>
           </a:xfrm>
           <a:prstGeom prst="rect">
             <a:avLst/>
@@ -1702,8 +1700,8 @@
         </p:nvSpPr>
         <p:spPr>
           <a:xfrm>
-            <a:off x="311699" y="1389599"/>
-            <a:ext cx="2808001" cy="3179401"/>
+            <a:off x="311698" y="1389598"/>
+            <a:ext cx="2808003" cy="3179403"/>
           </a:xfrm>
           <a:prstGeom prst="rect">
             <a:avLst/>
@@ -1823,8 +1821,8 @@
         </p:nvSpPr>
         <p:spPr>
           <a:xfrm>
-            <a:off x="490250" y="450149"/>
-            <a:ext cx="6367801" cy="4090801"/>
+            <a:off x="490250" y="450148"/>
+            <a:ext cx="6367801" cy="4090803"/>
           </a:xfrm>
           <a:prstGeom prst="rect">
             <a:avLst/>
@@ -1901,8 +1899,8 @@
         </p:nvSpPr>
         <p:spPr>
           <a:xfrm>
-            <a:off x="4572000" y="-125"/>
-            <a:ext cx="4572000" cy="5143501"/>
+            <a:off x="4572000" y="-126"/>
+            <a:ext cx="4572000" cy="5143503"/>
           </a:xfrm>
           <a:prstGeom prst="rect">
             <a:avLst/>
@@ -1918,7 +1916,14 @@
           <a:bodyPr lIns="0" tIns="0" rIns="0" bIns="0" anchor="ctr"/>
           <a:lstStyle/>
           <a:p>
-            <a:pPr/>
+            <a:pPr>
+              <a:defRPr>
+                <a:latin typeface="+mn-lt"/>
+                <a:ea typeface="+mn-ea"/>
+                <a:cs typeface="+mn-cs"/>
+                <a:sym typeface="Arial"/>
+              </a:defRPr>
+            </a:pPr>
           </a:p>
         </p:txBody>
       </p:sp>
@@ -1933,7 +1938,7 @@
         <p:spPr>
           <a:xfrm>
             <a:off x="265500" y="1233175"/>
-            <a:ext cx="4045200" cy="1482301"/>
+            <a:ext cx="4045200" cy="1482302"/>
           </a:xfrm>
           <a:prstGeom prst="rect">
             <a:avLst/>
@@ -1974,7 +1979,7 @@
         <p:txBody>
           <a:bodyPr/>
           <a:lstStyle>
-            <a:lvl1pPr marL="342900" indent="-228600" algn="ctr">
+            <a:lvl1pPr marL="228600" indent="-114300" algn="ctr">
               <a:lnSpc>
                 <a:spcPct val="100000"/>
               </a:lnSpc>
@@ -1984,7 +1989,7 @@
               <a:buNone/>
               <a:defRPr sz="2100"/>
             </a:lvl1pPr>
-            <a:lvl2pPr marL="342900" indent="254000" algn="ctr">
+            <a:lvl2pPr marL="228600" indent="114300" algn="ctr">
               <a:lnSpc>
                 <a:spcPct val="100000"/>
               </a:lnSpc>
@@ -1994,7 +1999,7 @@
               <a:buNone/>
               <a:defRPr sz="2100"/>
             </a:lvl2pPr>
-            <a:lvl3pPr marL="342900" indent="711200" algn="ctr">
+            <a:lvl3pPr marL="228600" indent="114300" algn="ctr">
               <a:lnSpc>
                 <a:spcPct val="100000"/>
               </a:lnSpc>
@@ -2004,7 +2009,7 @@
               <a:buNone/>
               <a:defRPr sz="2100"/>
             </a:lvl3pPr>
-            <a:lvl4pPr marL="342900" indent="1168400" algn="ctr">
+            <a:lvl4pPr marL="228600" indent="114300" algn="ctr">
               <a:lnSpc>
                 <a:spcPct val="100000"/>
               </a:lnSpc>
@@ -2014,7 +2019,7 @@
               <a:buNone/>
               <a:defRPr sz="2100"/>
             </a:lvl4pPr>
-            <a:lvl5pPr marL="342900" indent="1625600" algn="ctr">
+            <a:lvl5pPr marL="228600" indent="114300" algn="ctr">
               <a:lnSpc>
                 <a:spcPct val="100000"/>
               </a:lnSpc>
@@ -2068,7 +2073,7 @@
         <p:spPr>
           <a:xfrm>
             <a:off x="4939500" y="724074"/>
-            <a:ext cx="3837000" cy="3695102"/>
+            <a:ext cx="3837000" cy="3695103"/>
           </a:xfrm>
           <a:prstGeom prst="rect">
             <a:avLst/>
@@ -2140,8 +2145,8 @@
         </p:nvSpPr>
         <p:spPr>
           <a:xfrm>
-            <a:off x="311699" y="4230575"/>
-            <a:ext cx="5998802" cy="605101"/>
+            <a:off x="311698" y="4230575"/>
+            <a:ext cx="5998804" cy="605102"/>
           </a:xfrm>
           <a:prstGeom prst="rect">
             <a:avLst/>
@@ -2150,7 +2155,7 @@
         <p:txBody>
           <a:bodyPr anchor="ctr"/>
           <a:lstStyle>
-            <a:lvl1pPr marL="228600" indent="0">
+            <a:lvl1pPr marL="0" indent="228600">
               <a:lnSpc>
                 <a:spcPct val="100000"/>
               </a:lnSpc>
@@ -2285,8 +2290,8 @@
         </p:nvSpPr>
         <p:spPr>
           <a:xfrm>
-            <a:off x="311699" y="445025"/>
-            <a:ext cx="8520602" cy="572701"/>
+            <a:off x="311698" y="445025"/>
+            <a:ext cx="8520603" cy="572702"/>
           </a:xfrm>
           <a:prstGeom prst="rect">
             <a:avLst/>
@@ -2301,7 +2306,7 @@
           </a:extLst>
         </p:spPr>
         <p:txBody>
-          <a:bodyPr lIns="91424" tIns="91424" rIns="91424" bIns="91424">
+          <a:bodyPr lIns="91423" tIns="91423" rIns="91423" bIns="91423">
             <a:normAutofit fontScale="100000" lnSpcReduction="0"/>
           </a:bodyPr>
           <a:lstStyle/>
@@ -2323,8 +2328,8 @@
         </p:nvSpPr>
         <p:spPr>
           <a:xfrm>
-            <a:off x="311699" y="1152475"/>
-            <a:ext cx="8520602" cy="3416400"/>
+            <a:off x="311698" y="1152475"/>
+            <a:ext cx="8520603" cy="3416400"/>
           </a:xfrm>
           <a:prstGeom prst="rect">
             <a:avLst/>
@@ -2339,7 +2344,7 @@
           </a:extLst>
         </p:spPr>
         <p:txBody>
-          <a:bodyPr lIns="91424" tIns="91424" rIns="91424" bIns="91424">
+          <a:bodyPr lIns="91423" tIns="91423" rIns="91423" bIns="91423">
             <a:normAutofit fontScale="100000" lnSpcReduction="0"/>
           </a:bodyPr>
           <a:lstStyle/>
@@ -2385,8 +2390,8 @@
         </p:nvSpPr>
         <p:spPr>
           <a:xfrm>
-            <a:off x="8684345" y="4700819"/>
-            <a:ext cx="336813" cy="318396"/>
+            <a:off x="8684347" y="4700820"/>
+            <a:ext cx="336812" cy="318394"/>
           </a:xfrm>
           <a:prstGeom prst="rect">
             <a:avLst/>
@@ -2396,17 +2401,19 @@
           </a:ln>
         </p:spPr>
         <p:txBody>
-          <a:bodyPr wrap="none" lIns="91424" tIns="91424" rIns="91424" bIns="91424" anchor="ctr">
+          <a:bodyPr wrap="none" lIns="91423" tIns="91423" rIns="91423" bIns="91423" anchor="ctr">
             <a:spAutoFit/>
           </a:bodyPr>
           <a:lstStyle>
             <a:lvl1pPr algn="r">
               <a:defRPr sz="1000">
                 <a:solidFill>
-                  <a:schemeClr val="accent2">
-                    <a:lumOff val="21764"/>
-                  </a:schemeClr>
+                  <a:srgbClr val="585858"/>
                 </a:solidFill>
+                <a:latin typeface="+mn-lt"/>
+                <a:ea typeface="+mn-ea"/>
+                <a:cs typeface="+mn-cs"/>
+                <a:sym typeface="Arial"/>
               </a:defRPr>
             </a:lvl1pPr>
           </a:lstStyle>
@@ -2456,9 +2463,9 @@
             <a:srgbClr val="000000"/>
           </a:solidFill>
           <a:uFillTx/>
-          <a:latin typeface="+mj-lt"/>
-          <a:ea typeface="+mj-ea"/>
-          <a:cs typeface="+mj-cs"/>
+          <a:latin typeface="+mn-lt"/>
+          <a:ea typeface="+mn-ea"/>
+          <a:cs typeface="+mn-cs"/>
           <a:sym typeface="Arial"/>
         </a:defRPr>
       </a:lvl1pPr>
@@ -2482,9 +2489,9 @@
             <a:srgbClr val="000000"/>
           </a:solidFill>
           <a:uFillTx/>
-          <a:latin typeface="+mj-lt"/>
-          <a:ea typeface="+mj-ea"/>
-          <a:cs typeface="+mj-cs"/>
+          <a:latin typeface="+mn-lt"/>
+          <a:ea typeface="+mn-ea"/>
+          <a:cs typeface="+mn-cs"/>
           <a:sym typeface="Arial"/>
         </a:defRPr>
       </a:lvl2pPr>
@@ -2508,9 +2515,9 @@
             <a:srgbClr val="000000"/>
           </a:solidFill>
           <a:uFillTx/>
-          <a:latin typeface="+mj-lt"/>
-          <a:ea typeface="+mj-ea"/>
-          <a:cs typeface="+mj-cs"/>
+          <a:latin typeface="+mn-lt"/>
+          <a:ea typeface="+mn-ea"/>
+          <a:cs typeface="+mn-cs"/>
           <a:sym typeface="Arial"/>
         </a:defRPr>
       </a:lvl3pPr>
@@ -2534,9 +2541,9 @@
             <a:srgbClr val="000000"/>
           </a:solidFill>
           <a:uFillTx/>
-          <a:latin typeface="+mj-lt"/>
-          <a:ea typeface="+mj-ea"/>
-          <a:cs typeface="+mj-cs"/>
+          <a:latin typeface="+mn-lt"/>
+          <a:ea typeface="+mn-ea"/>
+          <a:cs typeface="+mn-cs"/>
           <a:sym typeface="Arial"/>
         </a:defRPr>
       </a:lvl4pPr>
@@ -2560,9 +2567,9 @@
             <a:srgbClr val="000000"/>
           </a:solidFill>
           <a:uFillTx/>
-          <a:latin typeface="+mj-lt"/>
-          <a:ea typeface="+mj-ea"/>
-          <a:cs typeface="+mj-cs"/>
+          <a:latin typeface="+mn-lt"/>
+          <a:ea typeface="+mn-ea"/>
+          <a:cs typeface="+mn-cs"/>
           <a:sym typeface="Arial"/>
         </a:defRPr>
       </a:lvl5pPr>
@@ -2586,9 +2593,9 @@
             <a:srgbClr val="000000"/>
           </a:solidFill>
           <a:uFillTx/>
-          <a:latin typeface="+mj-lt"/>
-          <a:ea typeface="+mj-ea"/>
-          <a:cs typeface="+mj-cs"/>
+          <a:latin typeface="+mn-lt"/>
+          <a:ea typeface="+mn-ea"/>
+          <a:cs typeface="+mn-cs"/>
           <a:sym typeface="Arial"/>
         </a:defRPr>
       </a:lvl6pPr>
@@ -2612,9 +2619,9 @@
             <a:srgbClr val="000000"/>
           </a:solidFill>
           <a:uFillTx/>
-          <a:latin typeface="+mj-lt"/>
-          <a:ea typeface="+mj-ea"/>
-          <a:cs typeface="+mj-cs"/>
+          <a:latin typeface="+mn-lt"/>
+          <a:ea typeface="+mn-ea"/>
+          <a:cs typeface="+mn-cs"/>
           <a:sym typeface="Arial"/>
         </a:defRPr>
       </a:lvl7pPr>
@@ -2638,9 +2645,9 @@
             <a:srgbClr val="000000"/>
           </a:solidFill>
           <a:uFillTx/>
-          <a:latin typeface="+mj-lt"/>
-          <a:ea typeface="+mj-ea"/>
-          <a:cs typeface="+mj-cs"/>
+          <a:latin typeface="+mn-lt"/>
+          <a:ea typeface="+mn-ea"/>
+          <a:cs typeface="+mn-cs"/>
           <a:sym typeface="Arial"/>
         </a:defRPr>
       </a:lvl8pPr>
@@ -2664,9 +2671,9 @@
             <a:srgbClr val="000000"/>
           </a:solidFill>
           <a:uFillTx/>
-          <a:latin typeface="+mj-lt"/>
-          <a:ea typeface="+mj-ea"/>
-          <a:cs typeface="+mj-cs"/>
+          <a:latin typeface="+mn-lt"/>
+          <a:ea typeface="+mn-ea"/>
+          <a:cs typeface="+mn-cs"/>
           <a:sym typeface="Arial"/>
         </a:defRPr>
       </a:lvl9pPr>
@@ -2683,9 +2690,7 @@
           <a:spcPts val="0"/>
         </a:spcAft>
         <a:buClr>
-          <a:schemeClr val="accent2">
-            <a:lumOff val="21764"/>
-          </a:schemeClr>
+          <a:srgbClr val="585858"/>
         </a:buClr>
         <a:buSzPts val="1800"/>
         <a:buFont typeface="Arial"/>
@@ -2693,18 +2698,16 @@
         <a:tabLst/>
         <a:defRPr b="0" baseline="0" cap="none" i="0" spc="0" strike="noStrike" sz="1800" u="none">
           <a:solidFill>
-            <a:schemeClr val="accent2">
-              <a:lumOff val="21764"/>
-            </a:schemeClr>
+            <a:srgbClr val="585858"/>
           </a:solidFill>
           <a:uFillTx/>
-          <a:latin typeface="+mj-lt"/>
-          <a:ea typeface="+mj-ea"/>
-          <a:cs typeface="+mj-cs"/>
+          <a:latin typeface="+mn-lt"/>
+          <a:ea typeface="+mn-ea"/>
+          <a:cs typeface="+mn-cs"/>
           <a:sym typeface="Arial"/>
         </a:defRPr>
       </a:lvl1pPr>
-      <a:lvl2pPr marL="1005114" marR="0" indent="-408214" algn="l" defTabSz="914400" rtl="0" latinLnBrk="0">
+      <a:lvl2pPr marL="1005114" marR="0" indent="-408213" algn="l" defTabSz="914400" rtl="0" latinLnBrk="0">
         <a:lnSpc>
           <a:spcPct val="115000"/>
         </a:lnSpc>
@@ -2715,9 +2718,7 @@
           <a:spcPts val="0"/>
         </a:spcAft>
         <a:buClr>
-          <a:schemeClr val="accent2">
-            <a:lumOff val="21764"/>
-          </a:schemeClr>
+          <a:srgbClr val="585858"/>
         </a:buClr>
         <a:buSzPts val="1800"/>
         <a:buFont typeface="Arial"/>
@@ -2725,14 +2726,12 @@
         <a:tabLst/>
         <a:defRPr b="0" baseline="0" cap="none" i="0" spc="0" strike="noStrike" sz="1800" u="none">
           <a:solidFill>
-            <a:schemeClr val="accent2">
-              <a:lumOff val="21764"/>
-            </a:schemeClr>
+            <a:srgbClr val="585858"/>
           </a:solidFill>
           <a:uFillTx/>
-          <a:latin typeface="+mj-lt"/>
-          <a:ea typeface="+mj-ea"/>
-          <a:cs typeface="+mj-cs"/>
+          <a:latin typeface="+mn-lt"/>
+          <a:ea typeface="+mn-ea"/>
+          <a:cs typeface="+mn-cs"/>
           <a:sym typeface="Arial"/>
         </a:defRPr>
       </a:lvl2pPr>
@@ -2747,9 +2746,7 @@
           <a:spcPts val="0"/>
         </a:spcAft>
         <a:buClr>
-          <a:schemeClr val="accent2">
-            <a:lumOff val="21764"/>
-          </a:schemeClr>
+          <a:srgbClr val="585858"/>
         </a:buClr>
         <a:buSzPts val="1800"/>
         <a:buFont typeface="Arial"/>
@@ -2757,14 +2754,12 @@
         <a:tabLst/>
         <a:defRPr b="0" baseline="0" cap="none" i="0" spc="0" strike="noStrike" sz="1800" u="none">
           <a:solidFill>
-            <a:schemeClr val="accent2">
-              <a:lumOff val="21764"/>
-            </a:schemeClr>
+            <a:srgbClr val="585858"/>
           </a:solidFill>
           <a:uFillTx/>
-          <a:latin typeface="+mj-lt"/>
-          <a:ea typeface="+mj-ea"/>
-          <a:cs typeface="+mj-cs"/>
+          <a:latin typeface="+mn-lt"/>
+          <a:ea typeface="+mn-ea"/>
+          <a:cs typeface="+mn-cs"/>
           <a:sym typeface="Arial"/>
         </a:defRPr>
       </a:lvl3pPr>
@@ -2779,9 +2774,7 @@
           <a:spcPts val="0"/>
         </a:spcAft>
         <a:buClr>
-          <a:schemeClr val="accent2">
-            <a:lumOff val="21764"/>
-          </a:schemeClr>
+          <a:srgbClr val="585858"/>
         </a:buClr>
         <a:buSzPts val="1800"/>
         <a:buFont typeface="Arial"/>
@@ -2789,14 +2782,12 @@
         <a:tabLst/>
         <a:defRPr b="0" baseline="0" cap="none" i="0" spc="0" strike="noStrike" sz="1800" u="none">
           <a:solidFill>
-            <a:schemeClr val="accent2">
-              <a:lumOff val="21764"/>
-            </a:schemeClr>
+            <a:srgbClr val="585858"/>
           </a:solidFill>
           <a:uFillTx/>
-          <a:latin typeface="+mj-lt"/>
-          <a:ea typeface="+mj-ea"/>
-          <a:cs typeface="+mj-cs"/>
+          <a:latin typeface="+mn-lt"/>
+          <a:ea typeface="+mn-ea"/>
+          <a:cs typeface="+mn-cs"/>
           <a:sym typeface="Arial"/>
         </a:defRPr>
       </a:lvl4pPr>
@@ -2811,9 +2802,7 @@
           <a:spcPts val="0"/>
         </a:spcAft>
         <a:buClr>
-          <a:schemeClr val="accent2">
-            <a:lumOff val="21764"/>
-          </a:schemeClr>
+          <a:srgbClr val="585858"/>
         </a:buClr>
         <a:buSzPts val="1800"/>
         <a:buFont typeface="Arial"/>
@@ -2821,14 +2810,12 @@
         <a:tabLst/>
         <a:defRPr b="0" baseline="0" cap="none" i="0" spc="0" strike="noStrike" sz="1800" u="none">
           <a:solidFill>
-            <a:schemeClr val="accent2">
-              <a:lumOff val="21764"/>
-            </a:schemeClr>
+            <a:srgbClr val="585858"/>
           </a:solidFill>
           <a:uFillTx/>
-          <a:latin typeface="+mj-lt"/>
-          <a:ea typeface="+mj-ea"/>
-          <a:cs typeface="+mj-cs"/>
+          <a:latin typeface="+mn-lt"/>
+          <a:ea typeface="+mn-ea"/>
+          <a:cs typeface="+mn-cs"/>
           <a:sym typeface="Arial"/>
         </a:defRPr>
       </a:lvl5pPr>
@@ -2843,9 +2830,7 @@
           <a:spcPts val="0"/>
         </a:spcAft>
         <a:buClr>
-          <a:schemeClr val="accent2">
-            <a:lumOff val="21764"/>
-          </a:schemeClr>
+          <a:srgbClr val="585858"/>
         </a:buClr>
         <a:buSzPts val="1800"/>
         <a:buFont typeface="Arial"/>
@@ -2853,18 +2838,16 @@
         <a:tabLst/>
         <a:defRPr b="0" baseline="0" cap="none" i="0" spc="0" strike="noStrike" sz="1800" u="none">
           <a:solidFill>
-            <a:schemeClr val="accent2">
-              <a:lumOff val="21764"/>
-            </a:schemeClr>
+            <a:srgbClr val="585858"/>
           </a:solidFill>
           <a:uFillTx/>
-          <a:latin typeface="+mj-lt"/>
-          <a:ea typeface="+mj-ea"/>
-          <a:cs typeface="+mj-cs"/>
+          <a:latin typeface="+mn-lt"/>
+          <a:ea typeface="+mn-ea"/>
+          <a:cs typeface="+mn-cs"/>
           <a:sym typeface="Arial"/>
         </a:defRPr>
       </a:lvl6pPr>
-      <a:lvl7pPr marL="3291114" marR="0" indent="-408214" algn="l" defTabSz="914400" rtl="0" latinLnBrk="0">
+      <a:lvl7pPr marL="3291113" marR="0" indent="-408214" algn="l" defTabSz="914400" rtl="0" latinLnBrk="0">
         <a:lnSpc>
           <a:spcPct val="115000"/>
         </a:lnSpc>
@@ -2875,9 +2858,7 @@
           <a:spcPts val="0"/>
         </a:spcAft>
         <a:buClr>
-          <a:schemeClr val="accent2">
-            <a:lumOff val="21764"/>
-          </a:schemeClr>
+          <a:srgbClr val="585858"/>
         </a:buClr>
         <a:buSzPts val="1800"/>
         <a:buFont typeface="Arial"/>
@@ -2885,18 +2866,16 @@
         <a:tabLst/>
         <a:defRPr b="0" baseline="0" cap="none" i="0" spc="0" strike="noStrike" sz="1800" u="none">
           <a:solidFill>
-            <a:schemeClr val="accent2">
-              <a:lumOff val="21764"/>
-            </a:schemeClr>
+            <a:srgbClr val="585858"/>
           </a:solidFill>
           <a:uFillTx/>
-          <a:latin typeface="+mj-lt"/>
-          <a:ea typeface="+mj-ea"/>
-          <a:cs typeface="+mj-cs"/>
+          <a:latin typeface="+mn-lt"/>
+          <a:ea typeface="+mn-ea"/>
+          <a:cs typeface="+mn-cs"/>
           <a:sym typeface="Arial"/>
         </a:defRPr>
       </a:lvl7pPr>
-      <a:lvl8pPr marL="3748314" marR="0" indent="-408214" algn="l" defTabSz="914400" rtl="0" latinLnBrk="0">
+      <a:lvl8pPr marL="3748313" marR="0" indent="-408213" algn="l" defTabSz="914400" rtl="0" latinLnBrk="0">
         <a:lnSpc>
           <a:spcPct val="115000"/>
         </a:lnSpc>
@@ -2907,9 +2886,7 @@
           <a:spcPts val="0"/>
         </a:spcAft>
         <a:buClr>
-          <a:schemeClr val="accent2">
-            <a:lumOff val="21764"/>
-          </a:schemeClr>
+          <a:srgbClr val="585858"/>
         </a:buClr>
         <a:buSzPts val="1800"/>
         <a:buFont typeface="Arial"/>
@@ -2917,18 +2894,16 @@
         <a:tabLst/>
         <a:defRPr b="0" baseline="0" cap="none" i="0" spc="0" strike="noStrike" sz="1800" u="none">
           <a:solidFill>
-            <a:schemeClr val="accent2">
-              <a:lumOff val="21764"/>
-            </a:schemeClr>
+            <a:srgbClr val="585858"/>
           </a:solidFill>
           <a:uFillTx/>
-          <a:latin typeface="+mj-lt"/>
-          <a:ea typeface="+mj-ea"/>
-          <a:cs typeface="+mj-cs"/>
+          <a:latin typeface="+mn-lt"/>
+          <a:ea typeface="+mn-ea"/>
+          <a:cs typeface="+mn-cs"/>
           <a:sym typeface="Arial"/>
         </a:defRPr>
       </a:lvl8pPr>
-      <a:lvl9pPr marL="4205514" marR="0" indent="-408214" algn="l" defTabSz="914400" rtl="0" latinLnBrk="0">
+      <a:lvl9pPr marL="4205513" marR="0" indent="-408213" algn="l" defTabSz="914400" rtl="0" latinLnBrk="0">
         <a:lnSpc>
           <a:spcPct val="115000"/>
         </a:lnSpc>
@@ -2939,9 +2914,7 @@
           <a:spcPts val="0"/>
         </a:spcAft>
         <a:buClr>
-          <a:schemeClr val="accent2">
-            <a:lumOff val="21764"/>
-          </a:schemeClr>
+          <a:srgbClr val="585858"/>
         </a:buClr>
         <a:buSzPts val="1800"/>
         <a:buFont typeface="Arial"/>
@@ -2949,14 +2922,12 @@
         <a:tabLst/>
         <a:defRPr b="0" baseline="0" cap="none" i="0" spc="0" strike="noStrike" sz="1800" u="none">
           <a:solidFill>
-            <a:schemeClr val="accent2">
-              <a:lumOff val="21764"/>
-            </a:schemeClr>
+            <a:srgbClr val="585858"/>
           </a:solidFill>
           <a:uFillTx/>
-          <a:latin typeface="+mj-lt"/>
-          <a:ea typeface="+mj-ea"/>
-          <a:cs typeface="+mj-cs"/>
+          <a:latin typeface="+mn-lt"/>
+          <a:ea typeface="+mn-ea"/>
+          <a:cs typeface="+mn-cs"/>
           <a:sym typeface="Arial"/>
         </a:defRPr>
       </a:lvl9pPr>
@@ -3257,8 +3228,8 @@
         </p:nvSpPr>
         <p:spPr>
           <a:xfrm>
-            <a:off x="2230199" y="1806599"/>
-            <a:ext cx="4683602" cy="1530302"/>
+            <a:off x="2230198" y="1806599"/>
+            <a:ext cx="4683603" cy="1530303"/>
           </a:xfrm>
           <a:prstGeom prst="rect">
             <a:avLst/>
@@ -3274,7 +3245,7 @@
               <a:spcBef>
                 <a:spcPts val="2300"/>
               </a:spcBef>
-              <a:defRPr b="1" sz="3564">
+              <a:defRPr b="1" sz="3500">
                 <a:solidFill>
                   <a:srgbClr val="24292E"/>
                 </a:solidFill>
@@ -3286,12 +3257,6 @@
             <a:r>
               <a:t>Basics</a:t>
             </a:r>
-            <a:endParaRPr>
-              <a:latin typeface="Muli"/>
-              <a:ea typeface="Muli"/>
-              <a:cs typeface="Muli"/>
-              <a:sym typeface="Muli"/>
-            </a:endParaRPr>
           </a:p>
         </p:txBody>
       </p:sp>
@@ -3368,8 +3333,8 @@
         </p:blipFill>
         <p:spPr>
           <a:xfrm>
-            <a:off x="1156137" y="1093332"/>
-            <a:ext cx="5567843" cy="2136894"/>
+            <a:off x="1156136" y="1093332"/>
+            <a:ext cx="5567845" cy="2136894"/>
           </a:xfrm>
           <a:prstGeom prst="rect">
             <a:avLst/>
@@ -3387,8 +3352,8 @@
         </p:nvSpPr>
         <p:spPr>
           <a:xfrm>
-            <a:off x="1117135" y="401517"/>
-            <a:ext cx="5645846" cy="283791"/>
+            <a:off x="1117134" y="401516"/>
+            <a:ext cx="5645846" cy="450068"/>
           </a:xfrm>
           <a:prstGeom prst="rect">
             <a:avLst/>
@@ -3414,35 +3379,26 @@
               </a:lnSpc>
               <a:defRPr sz="2000">
                 <a:solidFill>
-                  <a:srgbClr val="FFFFFF"/>
+                  <a:srgbClr val="00F900"/>
                 </a:solidFill>
+                <a:latin typeface="+mn-lt"/>
+                <a:ea typeface="+mn-ea"/>
+                <a:cs typeface="+mn-cs"/>
+                <a:sym typeface="Arial"/>
               </a:defRPr>
             </a:pPr>
             <a:r>
+              <a:t>&lt;img</a:t>
+            </a:r>
+            <a:r>
               <a:rPr>
                 <a:solidFill>
-                  <a:srgbClr val="00F900"/>
+                  <a:srgbClr val="000000"/>
                 </a:solidFill>
               </a:rPr>
-              <a:t>&lt;img</a:t>
-            </a:r>
-            <a:r>
-              <a:rPr>
-                <a:solidFill>
-                  <a:srgbClr val="90C56B"/>
-                </a:solidFill>
-              </a:rPr>
-              <a:t> </a:t>
-            </a:r>
-            <a:r>
-              <a:t>src=”images/banana.jpg” alt=”alt text here”</a:t>
-            </a:r>
-            <a:r>
-              <a:rPr>
-                <a:solidFill>
-                  <a:srgbClr val="00F900"/>
-                </a:solidFill>
-              </a:rPr>
+              <a:t> src=”images/banana.jpg” alt=”alt text here”</a:t>
+            </a:r>
+            <a:r>
               <a:t>/&gt;</a:t>
             </a:r>
           </a:p>
@@ -3456,8 +3412,8 @@
         </p:nvSpPr>
         <p:spPr>
           <a:xfrm>
-            <a:off x="144619" y="3638250"/>
-            <a:ext cx="9354542" cy="271506"/>
+            <a:off x="144618" y="3638250"/>
+            <a:ext cx="9354544" cy="427055"/>
           </a:xfrm>
           <a:prstGeom prst="rect">
             <a:avLst/>
@@ -3483,27 +3439,34 @@
               </a:lnSpc>
               <a:defRPr sz="1900">
                 <a:solidFill>
+                  <a:srgbClr val="00F900"/>
+                </a:solidFill>
+                <a:latin typeface="+mn-lt"/>
+                <a:ea typeface="+mn-ea"/>
+                <a:cs typeface="+mn-cs"/>
+                <a:sym typeface="Arial"/>
+              </a:defRPr>
+            </a:pPr>
+            <a:r>
+              <a:t>&lt;img</a:t>
+            </a:r>
+            <a:r>
+              <a:rPr>
+                <a:solidFill>
+                  <a:srgbClr val="000000"/>
+                </a:solidFill>
+              </a:rPr>
+              <a:t> src="https://www.jquery-az.com/html/images/banana.jpg"</a:t>
+            </a:r>
+            <a:r>
+              <a:rPr>
+                <a:solidFill>
                   <a:srgbClr val="FFFFFF"/>
                 </a:solidFill>
-              </a:defRPr>
-            </a:pPr>
-            <a:r>
-              <a:rPr>
-                <a:solidFill>
-                  <a:srgbClr val="00F900"/>
-                </a:solidFill>
               </a:rPr>
-              <a:t>&lt;img </a:t>
-            </a:r>
-            <a:r>
-              <a:t>src="https://www.jquery-az.com/html/images/banana.jpg" </a:t>
-            </a:r>
-            <a:r>
-              <a:rPr>
-                <a:solidFill>
-                  <a:srgbClr val="00F900"/>
-                </a:solidFill>
-              </a:rPr>
+              <a:t> </a:t>
+            </a:r>
+            <a:r>
               <a:t>alt="alt text here"/&gt;</a:t>
             </a:r>
           </a:p>
@@ -3535,9 +3498,115 @@
           <a:chExt cx="0" cy="0"/>
         </a:xfrm>
       </p:grpSpPr>
+      <p:sp>
+        <p:nvSpPr>
+          <p:cNvPr id="157" name="Task"/>
+          <p:cNvSpPr txBox="1"/>
+          <p:nvPr>
+            <p:ph type="title"/>
+          </p:nvPr>
+        </p:nvSpPr>
+        <p:spPr>
+          <a:prstGeom prst="rect">
+            <a:avLst/>
+          </a:prstGeom>
+        </p:spPr>
+        <p:txBody>
+          <a:bodyPr/>
+          <a:lstStyle>
+            <a:lvl1pPr defTabSz="877823">
+              <a:defRPr sz="2688"/>
+            </a:lvl1pPr>
+          </a:lstStyle>
+          <a:p>
+            <a:pPr/>
+            <a:r>
+              <a:t>Task</a:t>
+            </a:r>
+          </a:p>
+        </p:txBody>
+      </p:sp>
+      <p:sp>
+        <p:nvSpPr>
+          <p:cNvPr id="158" name="Create a html file…"/>
+          <p:cNvSpPr txBox="1"/>
+          <p:nvPr>
+            <p:ph type="body" idx="1"/>
+          </p:nvPr>
+        </p:nvSpPr>
+        <p:spPr>
+          <a:prstGeom prst="rect">
+            <a:avLst/>
+          </a:prstGeom>
+        </p:spPr>
+        <p:txBody>
+          <a:bodyPr/>
+          <a:lstStyle/>
+          <a:p>
+            <a:pPr/>
+            <a:r>
+              <a:t>Create a html file</a:t>
+            </a:r>
+          </a:p>
+          <a:p>
+            <a:pPr lvl="1" marL="939800" indent="-342899">
+              <a:buChar char="●"/>
+            </a:pPr>
+            <a:r>
+              <a:t>Body </a:t>
+            </a:r>
+          </a:p>
+          <a:p>
+            <a:pPr lvl="2" marL="1397000" indent="-342900">
+              <a:buChar char="●"/>
+            </a:pPr>
+            <a:r>
+              <a:t>P</a:t>
+            </a:r>
+          </a:p>
+          <a:p>
+            <a:pPr lvl="3" marL="1854200" indent="-342900"/>
+            <a:r>
+              <a:t>H1  &amp; Span (Explanation of h1)</a:t>
+            </a:r>
+          </a:p>
+          <a:p>
+            <a:pPr lvl="3" marL="1854200" indent="-342900"/>
+            <a:r>
+              <a:t>Fill the next 5</a:t>
+            </a:r>
+          </a:p>
+        </p:txBody>
+      </p:sp>
+    </p:spTree>
+  </p:cSld>
+  <p:clrMapOvr>
+    <a:masterClrMapping/>
+  </p:clrMapOvr>
+  <p:transition xmlns:p14="http://schemas.microsoft.com/office/powerpoint/2010/main" spd="med" advClick="1"/>
+</p:sld>
+</file>
+
+<file path=ppt/slides/slide12.xml><?xml version="1.0" encoding="utf-8"?>
+<p:sld xmlns:a="http://schemas.openxmlformats.org/drawingml/2006/main" xmlns:r="http://schemas.openxmlformats.org/officeDocument/2006/relationships" xmlns:p="http://schemas.openxmlformats.org/presentationml/2006/main" xmlns:m="http://schemas.openxmlformats.org/officeDocument/2006/math" xmlns:a14="http://schemas.microsoft.com/office/drawing/2010/main" showMasterSp="1" showMasterPhAnim="1">
+  <p:cSld>
+    <p:spTree>
+      <p:nvGrpSpPr>
+        <p:cNvPr id="1" name=""/>
+        <p:cNvGrpSpPr/>
+        <p:nvPr/>
+      </p:nvGrpSpPr>
+      <p:grpSpPr>
+        <a:xfrm>
+          <a:off x="0" y="0"/>
+          <a:ext cx="0" cy="0"/>
+          <a:chOff x="0" y="0"/>
+          <a:chExt cx="0" cy="0"/>
+        </a:xfrm>
+      </p:grpSpPr>
       <p:pic>
         <p:nvPicPr>
-          <p:cNvPr id="157" name="Google Shape;66;p15" descr="Google Shape;66;p15"/>
+          <p:cNvPr id="160" name="Google Shape;66;p15" descr="Google Shape;66;p15"/>
           <p:cNvPicPr>
             <a:picLocks noChangeAspect="1"/>
           </p:cNvPicPr>
@@ -3566,14 +3635,14 @@
       </p:pic>
       <p:sp>
         <p:nvSpPr>
-          <p:cNvPr id="158" name="https://www.quora.com/What-is-the-difference-between-div-and-section-tag"/>
+          <p:cNvPr id="161" name="https://www.quora.com/What-is-the-difference-between-div-and-section-tag"/>
           <p:cNvSpPr txBox="1"/>
           <p:nvPr/>
         </p:nvSpPr>
         <p:spPr>
           <a:xfrm>
-            <a:off x="2435247" y="3735741"/>
-            <a:ext cx="4663431" cy="177801"/>
+            <a:off x="2435247" y="3735740"/>
+            <a:ext cx="4663431" cy="322581"/>
           </a:xfrm>
           <a:prstGeom prst="rect">
             <a:avLst/>
@@ -3598,11 +3667,11 @@
               </a:lnSpc>
               <a:defRPr sz="1200" u="sng">
                 <a:solidFill>
-                  <a:schemeClr val="accent5"/>
+                  <a:srgbClr val="0000FF"/>
                 </a:solidFill>
                 <a:uFill>
                   <a:solidFill>
-                    <a:schemeClr val="accent5"/>
+                    <a:srgbClr val="0000FF"/>
                   </a:solidFill>
                 </a:uFill>
                 <a:latin typeface="Times"/>
@@ -3617,14 +3686,6 @@
             <a:pPr>
               <a:defRPr>
                 <a:solidFill>
-                  <a:srgbClr val="0000EE"/>
-                </a:solidFill>
-                <a:uFillTx/>
-              </a:defRPr>
-            </a:pPr>
-            <a:r>
-              <a:rPr>
-                <a:solidFill>
                   <a:schemeClr val="accent5"/>
                 </a:solidFill>
                 <a:uFill>
@@ -3632,6 +3693,18 @@
                     <a:schemeClr val="accent5"/>
                   </a:solidFill>
                 </a:uFill>
+              </a:defRPr>
+            </a:pPr>
+            <a:r>
+              <a:rPr>
+                <a:solidFill>
+                  <a:srgbClr val="0000FF"/>
+                </a:solidFill>
+                <a:uFill>
+                  <a:solidFill>
+                    <a:srgbClr val="0000FF"/>
+                  </a:solidFill>
+                </a:uFill>
                 <a:hlinkClick r:id="rId3" invalidUrl="" action="" tgtFrame="" tooltip="" history="1" highlightClick="0" endSnd="0"/>
               </a:rPr>
               <a:t>https://www.quora.com/What-is-the-difference-between-div-and-section-tag</a:t>
@@ -3641,14 +3714,14 @@
       </p:sp>
       <p:sp>
         <p:nvSpPr>
-          <p:cNvPr id="159" name="What is the difference between &lt;div&gt; and &lt;section&gt; tag?"/>
+          <p:cNvPr id="162" name="What is the difference between &lt;div&gt; and &lt;section&gt; tag?"/>
           <p:cNvSpPr txBox="1"/>
           <p:nvPr/>
         </p:nvSpPr>
         <p:spPr>
           <a:xfrm>
-            <a:off x="971711" y="502825"/>
-            <a:ext cx="7200578" cy="317501"/>
+            <a:off x="971710" y="502824"/>
+            <a:ext cx="7200579" cy="559177"/>
           </a:xfrm>
           <a:prstGeom prst="rect">
             <a:avLst/>
@@ -3675,10 +3748,6 @@
                 <a:solidFill>
                   <a:srgbClr val="282829"/>
                 </a:solidFill>
-                <a:latin typeface="+mn-lt"/>
-                <a:ea typeface="+mn-ea"/>
-                <a:cs typeface="+mn-cs"/>
-                <a:sym typeface="Helvetica"/>
               </a:defRPr>
             </a:lvl1pPr>
           </a:lstStyle>
@@ -3692,14 +3761,14 @@
       </p:sp>
       <p:sp>
         <p:nvSpPr>
-          <p:cNvPr id="160" name="div vs section"/>
+          <p:cNvPr id="163" name="div vs section"/>
           <p:cNvSpPr txBox="1"/>
           <p:nvPr/>
         </p:nvSpPr>
         <p:spPr>
           <a:xfrm>
-            <a:off x="4115483" y="1073798"/>
-            <a:ext cx="1079935" cy="197385"/>
+            <a:off x="4115482" y="1073798"/>
+            <a:ext cx="1079936" cy="197384"/>
           </a:xfrm>
           <a:prstGeom prst="rect">
             <a:avLst/>
@@ -3717,7 +3786,16 @@
           <a:bodyPr wrap="none" lIns="0" tIns="0" rIns="0" bIns="0">
             <a:spAutoFit/>
           </a:bodyPr>
-          <a:lstStyle/>
+          <a:lstStyle>
+            <a:lvl1pPr>
+              <a:defRPr>
+                <a:latin typeface="+mn-lt"/>
+                <a:ea typeface="+mn-ea"/>
+                <a:cs typeface="+mn-cs"/>
+                <a:sym typeface="Arial"/>
+              </a:defRPr>
+            </a:lvl1pPr>
+          </a:lstStyle>
           <a:p>
             <a:pPr/>
             <a:r>
@@ -3728,7 +3806,7 @@
       </p:sp>
       <p:pic>
         <p:nvPicPr>
-          <p:cNvPr id="161" name="Image" descr="Image"/>
+          <p:cNvPr id="164" name="Image" descr="Image"/>
           <p:cNvPicPr>
             <a:picLocks noChangeAspect="1"/>
           </p:cNvPicPr>
@@ -3744,8 +3822,8 @@
         </p:blipFill>
         <p:spPr>
           <a:xfrm>
-            <a:off x="1837216" y="1676652"/>
-            <a:ext cx="5983023" cy="1790196"/>
+            <a:off x="1837215" y="1676651"/>
+            <a:ext cx="5983025" cy="1790197"/>
           </a:xfrm>
           <a:prstGeom prst="rect">
             <a:avLst/>
@@ -3764,7 +3842,7 @@
 </p:sld>
 </file>
 
-<file path=ppt/slides/slide12.xml><?xml version="1.0" encoding="utf-8"?>
+<file path=ppt/slides/slide13.xml><?xml version="1.0" encoding="utf-8"?>
 <p:sld xmlns:a="http://schemas.openxmlformats.org/drawingml/2006/main" xmlns:r="http://schemas.openxmlformats.org/officeDocument/2006/relationships" xmlns:p="http://schemas.openxmlformats.org/presentationml/2006/main" xmlns:m="http://schemas.openxmlformats.org/officeDocument/2006/math" xmlns:a14="http://schemas.microsoft.com/office/drawing/2010/main" showMasterSp="1" showMasterPhAnim="1">
   <p:cSld>
     <p:spTree>
@@ -3783,7 +3861,7 @@
       </p:grpSpPr>
       <p:pic>
         <p:nvPicPr>
-          <p:cNvPr id="163" name="Google Shape;66;p15" descr="Google Shape;66;p15"/>
+          <p:cNvPr id="166" name="Google Shape;66;p15" descr="Google Shape;66;p15"/>
           <p:cNvPicPr>
             <a:picLocks noChangeAspect="1"/>
           </p:cNvPicPr>
@@ -3812,14 +3890,14 @@
       </p:pic>
       <p:sp>
         <p:nvSpPr>
-          <p:cNvPr id="164" name="Task 1: All tags in HTML Cheatsheet Task 2: Create your Resume"/>
+          <p:cNvPr id="167" name="Task 1: All tags in HTML Cheatsheet Task 2: Create your Resume"/>
           <p:cNvSpPr txBox="1"/>
           <p:nvPr/>
         </p:nvSpPr>
         <p:spPr>
           <a:xfrm>
-            <a:off x="2523454" y="1937506"/>
-            <a:ext cx="4930479" cy="1054101"/>
+            <a:off x="2523453" y="1937505"/>
+            <a:ext cx="4930480" cy="1923032"/>
           </a:xfrm>
           <a:prstGeom prst="rect">
             <a:avLst/>
@@ -3843,22 +3921,18 @@
               <a:lnSpc>
                 <a:spcPts val="3900"/>
               </a:lnSpc>
-              <a:defRPr sz="1466">
+              <a:defRPr>
                 <a:solidFill>
                   <a:srgbClr val="353744"/>
                 </a:solidFill>
-                <a:latin typeface="+mn-lt"/>
-                <a:ea typeface="+mn-ea"/>
-                <a:cs typeface="+mn-cs"/>
-                <a:sym typeface="Helvetica"/>
               </a:defRPr>
             </a:pPr>
             <a:r>
-              <a:t>Task 1: All tags in HTML Cheatsheet</a:t>
+              <a:t>Task 1: All tags in HTML Cheatsheet in your html with explanations </a:t>
             </a:r>
             <a:br/>
             <a:r>
-              <a:t>Task 2: Create your Resume</a:t>
+              <a:t>     Task 2: Create your Resume</a:t>
             </a:r>
             <a:br/>
           </a:p>
@@ -3873,7 +3947,7 @@
 </p:sld>
 </file>
 
-<file path=ppt/slides/slide13.xml><?xml version="1.0" encoding="utf-8"?>
+<file path=ppt/slides/slide14.xml><?xml version="1.0" encoding="utf-8"?>
 <p:sld xmlns:a="http://schemas.openxmlformats.org/drawingml/2006/main" xmlns:r="http://schemas.openxmlformats.org/officeDocument/2006/relationships" xmlns:p="http://schemas.openxmlformats.org/presentationml/2006/main" xmlns:m="http://schemas.openxmlformats.org/officeDocument/2006/math" xmlns:a14="http://schemas.microsoft.com/office/drawing/2010/main" showMasterSp="1" showMasterPhAnim="1">
   <p:cSld>
     <p:spTree>
@@ -3892,7 +3966,7 @@
       </p:grpSpPr>
       <p:pic>
         <p:nvPicPr>
-          <p:cNvPr id="166" name="Google Shape;102;p20" descr="Google Shape;102;p20"/>
+          <p:cNvPr id="169" name="Google Shape;102;p20" descr="Google Shape;102;p20"/>
           <p:cNvPicPr>
             <a:picLocks noChangeAspect="1"/>
           </p:cNvPicPr>
@@ -3921,7 +3995,7 @@
       </p:pic>
       <p:sp>
         <p:nvSpPr>
-          <p:cNvPr id="167" name="Google Shape;103;p20"/>
+          <p:cNvPr id="170" name="Google Shape;103;p20"/>
           <p:cNvSpPr txBox="1"/>
           <p:nvPr>
             <p:ph type="title"/>
@@ -3929,8 +4003,8 @@
         </p:nvSpPr>
         <p:spPr>
           <a:xfrm>
-            <a:off x="3529033" y="2112779"/>
-            <a:ext cx="2965284" cy="917942"/>
+            <a:off x="3529032" y="2112779"/>
+            <a:ext cx="2965286" cy="917942"/>
           </a:xfrm>
           <a:prstGeom prst="rect">
             <a:avLst/>
@@ -3939,7 +4013,7 @@
         <p:txBody>
           <a:bodyPr/>
           <a:lstStyle>
-            <a:lvl1pPr defTabSz="365760">
+            <a:lvl1pPr defTabSz="365759">
               <a:lnSpc>
                 <a:spcPct val="125000"/>
               </a:lnSpc>
@@ -4029,6 +4103,10 @@
           </p:nvPr>
         </p:nvSpPr>
         <p:spPr>
+          <a:xfrm>
+            <a:off x="311699" y="445025"/>
+            <a:ext cx="8520602" cy="572702"/>
+          </a:xfrm>
           <a:prstGeom prst="rect">
             <a:avLst/>
           </a:prstGeom>
@@ -4036,8 +4114,8 @@
         <p:txBody>
           <a:bodyPr/>
           <a:lstStyle>
-            <a:lvl1pPr defTabSz="877823">
-              <a:defRPr sz="2688"/>
+            <a:lvl1pPr defTabSz="877822">
+              <a:defRPr sz="2600"/>
             </a:lvl1pPr>
           </a:lstStyle>
           <a:p>
@@ -4057,6 +4135,10 @@
           </p:nvPr>
         </p:nvSpPr>
         <p:spPr>
+          <a:xfrm>
+            <a:off x="311699" y="1152475"/>
+            <a:ext cx="8520602" cy="3416400"/>
+          </a:xfrm>
           <a:prstGeom prst="rect">
             <a:avLst/>
           </a:prstGeom>
@@ -4149,8 +4231,8 @@
         </p:nvSpPr>
         <p:spPr>
           <a:xfrm>
-            <a:off x="2230199" y="1806599"/>
-            <a:ext cx="4683602" cy="1530302"/>
+            <a:off x="2230198" y="1806599"/>
+            <a:ext cx="4683603" cy="1530303"/>
           </a:xfrm>
           <a:prstGeom prst="rect">
             <a:avLst/>
@@ -4166,7 +4248,7 @@
               <a:spcBef>
                 <a:spcPts val="2300"/>
               </a:spcBef>
-              <a:defRPr b="1" sz="3564">
+              <a:defRPr b="1" sz="3500">
                 <a:solidFill>
                   <a:srgbClr val="24292E"/>
                 </a:solidFill>
@@ -4178,12 +4260,6 @@
             <a:r>
               <a:t>Basics</a:t>
             </a:r>
-            <a:endParaRPr>
-              <a:latin typeface="Muli"/>
-              <a:ea typeface="Muli"/>
-              <a:cs typeface="Muli"/>
-              <a:sym typeface="Muli"/>
-            </a:endParaRPr>
           </a:p>
         </p:txBody>
       </p:sp>
@@ -4205,8 +4281,8 @@
         </p:blipFill>
         <p:spPr>
           <a:xfrm>
-            <a:off x="1872523" y="613273"/>
-            <a:ext cx="5155297" cy="3436864"/>
+            <a:off x="1872522" y="613272"/>
+            <a:ext cx="5155298" cy="3436865"/>
           </a:xfrm>
           <a:prstGeom prst="rect">
             <a:avLst/>
@@ -4252,8 +4328,8 @@
         </p:nvSpPr>
         <p:spPr>
           <a:xfrm>
-            <a:off x="259231" y="2581451"/>
-            <a:ext cx="8520601" cy="766726"/>
+            <a:off x="259231" y="2581450"/>
+            <a:ext cx="8520601" cy="766727"/>
           </a:xfrm>
           <a:prstGeom prst="rect">
             <a:avLst/>
@@ -4282,8 +4358,8 @@
         </p:nvSpPr>
         <p:spPr>
           <a:xfrm>
-            <a:off x="558808" y="1085883"/>
-            <a:ext cx="8249408" cy="419337"/>
+            <a:off x="558807" y="1085883"/>
+            <a:ext cx="8249408" cy="419336"/>
           </a:xfrm>
           <a:prstGeom prst="rect">
             <a:avLst/>
@@ -4303,7 +4379,12 @@
           </a:bodyPr>
           <a:lstStyle>
             <a:lvl1pPr algn="ctr">
-              <a:defRPr sz="3000"/>
+              <a:defRPr sz="3000">
+                <a:latin typeface="+mn-lt"/>
+                <a:ea typeface="+mn-ea"/>
+                <a:cs typeface="+mn-cs"/>
+                <a:sym typeface="Arial"/>
+              </a:defRPr>
             </a:lvl1pPr>
           </a:lstStyle>
           <a:p>
@@ -4387,8 +4468,8 @@
         </p:blipFill>
         <p:spPr>
           <a:xfrm>
-            <a:off x="1200164" y="593218"/>
-            <a:ext cx="6743672" cy="3327554"/>
+            <a:off x="1200163" y="593218"/>
+            <a:ext cx="6743674" cy="3327554"/>
           </a:xfrm>
           <a:prstGeom prst="rect">
             <a:avLst/>
@@ -4463,8 +4544,8 @@
         </p:nvSpPr>
         <p:spPr>
           <a:xfrm>
-            <a:off x="2230199" y="1806599"/>
-            <a:ext cx="4683602" cy="1530302"/>
+            <a:off x="2230198" y="1806599"/>
+            <a:ext cx="4683603" cy="1530303"/>
           </a:xfrm>
           <a:prstGeom prst="rect">
             <a:avLst/>
@@ -4480,7 +4561,7 @@
               <a:spcBef>
                 <a:spcPts val="2300"/>
               </a:spcBef>
-              <a:defRPr b="1" sz="3564">
+              <a:defRPr b="1" sz="3500">
                 <a:solidFill>
                   <a:srgbClr val="24292E"/>
                 </a:solidFill>
@@ -4492,12 +4573,6 @@
             <a:r>
               <a:t>Basics</a:t>
             </a:r>
-            <a:endParaRPr>
-              <a:latin typeface="Muli"/>
-              <a:ea typeface="Muli"/>
-              <a:cs typeface="Muli"/>
-              <a:sym typeface="Muli"/>
-            </a:endParaRPr>
           </a:p>
         </p:txBody>
       </p:sp>
@@ -4519,8 +4594,8 @@
         </p:blipFill>
         <p:spPr>
           <a:xfrm>
-            <a:off x="120440" y="979887"/>
-            <a:ext cx="9144001" cy="2926081"/>
+            <a:off x="120439" y="979886"/>
+            <a:ext cx="9144002" cy="2926083"/>
           </a:xfrm>
           <a:prstGeom prst="rect">
             <a:avLst/>
@@ -4594,7 +4669,7 @@
         <p:spPr>
           <a:xfrm>
             <a:off x="588112" y="1041037"/>
-            <a:ext cx="6064969" cy="3042185"/>
+            <a:ext cx="6064968" cy="3042184"/>
           </a:xfrm>
           <a:prstGeom prst="rect">
             <a:avLst/>
@@ -4614,132 +4689,222 @@
           </a:bodyPr>
           <a:lstStyle/>
           <a:p>
-            <a:pPr marL="140368" indent="-140368">
+            <a:pPr marL="140367" indent="-140367">
               <a:buSzPct val="100000"/>
               <a:buChar char="•"/>
+              <a:defRPr>
+                <a:latin typeface="+mn-lt"/>
+                <a:ea typeface="+mn-ea"/>
+                <a:cs typeface="+mn-cs"/>
+                <a:sym typeface="Arial"/>
+              </a:defRPr>
             </a:pPr>
             <a:r>
               <a:t>Global attributes are attributes common to all HTML elements</a:t>
             </a:r>
           </a:p>
           <a:p>
-            <a:pPr lvl="1" marL="521368" indent="-140368">
+            <a:pPr lvl="1" marL="521367" indent="-140367">
               <a:buSzPct val="100000"/>
               <a:buChar char="•"/>
+              <a:defRPr>
+                <a:latin typeface="+mn-lt"/>
+                <a:ea typeface="+mn-ea"/>
+                <a:cs typeface="+mn-cs"/>
+                <a:sym typeface="Arial"/>
+              </a:defRPr>
             </a:pPr>
             <a:r>
               <a:t>https://developer.mozilla.org/en-US/docs/Web/HTML/Global_attributes</a:t>
             </a:r>
           </a:p>
           <a:p>
-            <a:pPr lvl="1" marL="521368" indent="-140368">
+            <a:pPr lvl="1" marL="521367" indent="-140367">
               <a:buSzPct val="100000"/>
               <a:buChar char="•"/>
+              <a:defRPr>
+                <a:latin typeface="+mn-lt"/>
+                <a:ea typeface="+mn-ea"/>
+                <a:cs typeface="+mn-cs"/>
+                <a:sym typeface="Arial"/>
+              </a:defRPr>
             </a:pPr>
             <a:r>
               <a:t>class &amp; id</a:t>
             </a:r>
           </a:p>
           <a:p>
-            <a:pPr lvl="1" marL="521368" indent="-140368">
+            <a:pPr lvl="1" marL="521367" indent="-140367">
               <a:buSzPct val="100000"/>
               <a:buChar char="•"/>
+              <a:defRPr>
+                <a:latin typeface="+mn-lt"/>
+                <a:ea typeface="+mn-ea"/>
+                <a:cs typeface="+mn-cs"/>
+                <a:sym typeface="Arial"/>
+              </a:defRPr>
             </a:pPr>
             <a:r>
               <a:t>hidden</a:t>
             </a:r>
           </a:p>
           <a:p>
-            <a:pPr marL="140368" indent="-140368">
+            <a:pPr marL="140367" indent="-140367">
               <a:buSzPct val="100000"/>
               <a:buChar char="•"/>
+              <a:defRPr>
+                <a:latin typeface="+mn-lt"/>
+                <a:ea typeface="+mn-ea"/>
+                <a:cs typeface="+mn-cs"/>
+                <a:sym typeface="Arial"/>
+              </a:defRPr>
             </a:pPr>
           </a:p>
           <a:p>
-            <a:pPr marL="140368" indent="-140368">
+            <a:pPr marL="140367" indent="-140367">
               <a:buSzPct val="100000"/>
               <a:buChar char="•"/>
+              <a:defRPr>
+                <a:latin typeface="+mn-lt"/>
+                <a:ea typeface="+mn-ea"/>
+                <a:cs typeface="+mn-cs"/>
+                <a:sym typeface="Arial"/>
+              </a:defRPr>
             </a:pPr>
             <a:r>
               <a:t>Element Specific attributes</a:t>
             </a:r>
           </a:p>
           <a:p>
-            <a:pPr lvl="1" marL="521368" indent="-140368">
+            <a:pPr lvl="1" marL="521367" indent="-140367">
               <a:buSzPct val="100000"/>
               <a:buChar char="•"/>
+              <a:defRPr>
+                <a:latin typeface="+mn-lt"/>
+                <a:ea typeface="+mn-ea"/>
+                <a:cs typeface="+mn-cs"/>
+                <a:sym typeface="Arial"/>
+              </a:defRPr>
             </a:pPr>
             <a:r>
               <a:t>https://developer.mozilla.org/en-US/docs/Web/HTML/Attributes</a:t>
             </a:r>
           </a:p>
           <a:p>
-            <a:pPr lvl="1" marL="521368" indent="-140368">
+            <a:pPr lvl="1" marL="521367" indent="-140367">
               <a:buSzPct val="100000"/>
               <a:buChar char="•"/>
+              <a:defRPr>
+                <a:latin typeface="+mn-lt"/>
+                <a:ea typeface="+mn-ea"/>
+                <a:cs typeface="+mn-cs"/>
+                <a:sym typeface="Arial"/>
+              </a:defRPr>
             </a:pPr>
             <a:r>
               <a:t>accept</a:t>
             </a:r>
           </a:p>
           <a:p>
-            <a:pPr lvl="1" marL="521368" indent="-140368">
+            <a:pPr lvl="1" marL="521367" indent="-140367">
               <a:buSzPct val="100000"/>
               <a:buChar char="•"/>
+              <a:defRPr>
+                <a:latin typeface="+mn-lt"/>
+                <a:ea typeface="+mn-ea"/>
+                <a:cs typeface="+mn-cs"/>
+                <a:sym typeface="Arial"/>
+              </a:defRPr>
             </a:pPr>
             <a:r>
               <a:t>formmethod &amp; formaction	</a:t>
             </a:r>
           </a:p>
           <a:p>
-            <a:pPr lvl="1" marL="521368" indent="-140368">
+            <a:pPr lvl="1" marL="521367" indent="-140367">
               <a:buSzPct val="100000"/>
               <a:buChar char="•"/>
+              <a:defRPr>
+                <a:latin typeface="+mn-lt"/>
+                <a:ea typeface="+mn-ea"/>
+                <a:cs typeface="+mn-cs"/>
+                <a:sym typeface="Arial"/>
+              </a:defRPr>
             </a:pPr>
             <a:r>
               <a:t>align</a:t>
             </a:r>
           </a:p>
           <a:p>
-            <a:pPr lvl="1" marL="521368" indent="-140368">
+            <a:pPr lvl="1" marL="521367" indent="-140367">
               <a:buSzPct val="100000"/>
               <a:buChar char="•"/>
+              <a:defRPr>
+                <a:latin typeface="+mn-lt"/>
+                <a:ea typeface="+mn-ea"/>
+                <a:cs typeface="+mn-cs"/>
+                <a:sym typeface="Arial"/>
+              </a:defRPr>
             </a:pPr>
             <a:r>
               <a:t>background &amp; bgcolor		</a:t>
             </a:r>
           </a:p>
           <a:p>
-            <a:pPr lvl="1" marL="521368" indent="-140368">
+            <a:pPr lvl="1" marL="521367" indent="-140367">
               <a:buSzPct val="100000"/>
               <a:buChar char="•"/>
+              <a:defRPr>
+                <a:latin typeface="+mn-lt"/>
+                <a:ea typeface="+mn-ea"/>
+                <a:cs typeface="+mn-cs"/>
+                <a:sym typeface="Arial"/>
+              </a:defRPr>
             </a:pPr>
             <a:r>
               <a:t>placeholder	</a:t>
             </a:r>
           </a:p>
           <a:p>
-            <a:pPr lvl="1" marL="521368" indent="-140368">
+            <a:pPr lvl="1" marL="521367" indent="-140367">
               <a:buSzPct val="100000"/>
               <a:buChar char="•"/>
+              <a:defRPr>
+                <a:latin typeface="+mn-lt"/>
+                <a:ea typeface="+mn-ea"/>
+                <a:cs typeface="+mn-cs"/>
+                <a:sym typeface="Arial"/>
+              </a:defRPr>
             </a:pPr>
             <a:r>
               <a:t>src	</a:t>
             </a:r>
           </a:p>
           <a:p>
-            <a:pPr lvl="1" marL="521368" indent="-140368">
+            <a:pPr lvl="1" marL="521367" indent="-140367">
               <a:buSzPct val="100000"/>
               <a:buChar char="•"/>
+              <a:defRPr>
+                <a:latin typeface="+mn-lt"/>
+                <a:ea typeface="+mn-ea"/>
+                <a:cs typeface="+mn-cs"/>
+                <a:sym typeface="Arial"/>
+              </a:defRPr>
             </a:pPr>
             <a:r>
               <a:t>value	</a:t>
             </a:r>
           </a:p>
           <a:p>
-            <a:pPr lvl="1" marL="521368" indent="-140368">
+            <a:pPr lvl="1" marL="521367" indent="-140367">
               <a:buSzPct val="100000"/>
               <a:buChar char="•"/>
+              <a:defRPr>
+                <a:latin typeface="+mn-lt"/>
+                <a:ea typeface="+mn-ea"/>
+                <a:cs typeface="+mn-cs"/>
+                <a:sym typeface="Arial"/>
+              </a:defRPr>
             </a:pPr>
             <a:r>
               <a:t>height &amp; width	</a:t>
@@ -4755,8 +4920,8 @@
         </p:nvSpPr>
         <p:spPr>
           <a:xfrm>
-            <a:off x="3660346" y="4185298"/>
-            <a:ext cx="1564458" cy="400585"/>
+            <a:off x="3660345" y="4185298"/>
+            <a:ext cx="1564458" cy="197384"/>
           </a:xfrm>
           <a:prstGeom prst="rect">
             <a:avLst/>
@@ -4774,7 +4939,16 @@
           <a:bodyPr wrap="none" lIns="0" tIns="0" rIns="0" bIns="0">
             <a:spAutoFit/>
           </a:bodyPr>
-          <a:lstStyle/>
+          <a:lstStyle>
+            <a:lvl1pPr>
+              <a:defRPr>
+                <a:latin typeface="+mn-lt"/>
+                <a:ea typeface="+mn-ea"/>
+                <a:cs typeface="+mn-cs"/>
+                <a:sym typeface="Arial"/>
+              </a:defRPr>
+            </a:lvl1pPr>
+          </a:lstStyle>
           <a:p>
             <a:pPr/>
             <a:r>
@@ -4870,23 +5044,14 @@
                             </p:childTnLst>
                           </p:cTn>
                         </p:par>
-                      </p:childTnLst>
-                    </p:cTn>
-                  </p:par>
-                  <p:par>
-                    <p:cTn id="9" fill="hold">
-                      <p:stCondLst>
-                        <p:cond delay="indefinite"/>
-                      </p:stCondLst>
-                      <p:childTnLst>
                         <p:par>
-                          <p:cTn id="10" fill="hold">
+                          <p:cTn id="9" fill="hold">
                             <p:stCondLst>
                               <p:cond delay="0"/>
                             </p:stCondLst>
                             <p:childTnLst>
                               <p:par>
-                                <p:cTn id="11" presetClass="entr" nodeType="clickEffect" presetSubtype="0" presetID="1" grpId="1" fill="hold">
+                                <p:cTn id="10" presetClass="entr" nodeType="afterEffect" presetSubtype="0" presetID="1" grpId="1" fill="hold">
                                   <p:stCondLst>
                                     <p:cond delay="0"/>
                                   </p:stCondLst>
@@ -4896,7 +5061,7 @@
                                   <p:childTnLst>
                                     <p:set>
                                       <p:cBhvr>
-                                        <p:cTn id="12" fill="hold"/>
+                                        <p:cTn id="11" fill="hold"/>
                                         <p:tgtEl>
                                           <p:spTgt spid="143">
                                             <p:txEl>
@@ -4922,19 +5087,19 @@
                     </p:cTn>
                   </p:par>
                   <p:par>
-                    <p:cTn id="13" fill="hold">
+                    <p:cTn id="12" fill="hold">
                       <p:stCondLst>
                         <p:cond delay="indefinite"/>
                       </p:stCondLst>
                       <p:childTnLst>
                         <p:par>
-                          <p:cTn id="14" fill="hold">
+                          <p:cTn id="13" fill="hold">
                             <p:stCondLst>
                               <p:cond delay="0"/>
                             </p:stCondLst>
                             <p:childTnLst>
                               <p:par>
-                                <p:cTn id="15" presetClass="entr" nodeType="clickEffect" presetSubtype="0" presetID="1" grpId="1" fill="hold">
+                                <p:cTn id="14" presetClass="entr" nodeType="clickEffect" presetSubtype="0" presetID="1" grpId="1" fill="hold">
                                   <p:stCondLst>
                                     <p:cond delay="0"/>
                                   </p:stCondLst>
@@ -4944,7 +5109,7 @@
                                   <p:childTnLst>
                                     <p:set>
                                       <p:cBhvr>
-                                        <p:cTn id="16" fill="hold"/>
+                                        <p:cTn id="15" fill="hold"/>
                                         <p:tgtEl>
                                           <p:spTgt spid="143">
                                             <p:txEl>
@@ -4970,19 +5135,19 @@
                     </p:cTn>
                   </p:par>
                   <p:par>
-                    <p:cTn id="17" fill="hold">
+                    <p:cTn id="16" fill="hold">
                       <p:stCondLst>
                         <p:cond delay="indefinite"/>
                       </p:stCondLst>
                       <p:childTnLst>
                         <p:par>
-                          <p:cTn id="18" fill="hold">
+                          <p:cTn id="17" fill="hold">
                             <p:stCondLst>
                               <p:cond delay="0"/>
                             </p:stCondLst>
                             <p:childTnLst>
                               <p:par>
-                                <p:cTn id="19" presetClass="entr" nodeType="clickEffect" presetSubtype="0" presetID="1" grpId="1" fill="hold">
+                                <p:cTn id="18" presetClass="entr" nodeType="clickEffect" presetSubtype="0" presetID="1" grpId="1" fill="hold">
                                   <p:stCondLst>
                                     <p:cond delay="0"/>
                                   </p:stCondLst>
@@ -4992,7 +5157,7 @@
                                   <p:childTnLst>
                                     <p:set>
                                       <p:cBhvr>
-                                        <p:cTn id="20" fill="hold"/>
+                                        <p:cTn id="19" fill="hold"/>
                                         <p:tgtEl>
                                           <p:spTgt spid="143">
                                             <p:txEl>
@@ -5018,19 +5183,19 @@
                     </p:cTn>
                   </p:par>
                   <p:par>
-                    <p:cTn id="21" fill="hold">
+                    <p:cTn id="20" fill="hold">
                       <p:stCondLst>
                         <p:cond delay="indefinite"/>
                       </p:stCondLst>
                       <p:childTnLst>
                         <p:par>
-                          <p:cTn id="22" fill="hold">
+                          <p:cTn id="21" fill="hold">
                             <p:stCondLst>
                               <p:cond delay="0"/>
                             </p:stCondLst>
                             <p:childTnLst>
                               <p:par>
-                                <p:cTn id="23" presetClass="entr" nodeType="clickEffect" presetSubtype="0" presetID="1" grpId="1" fill="hold">
+                                <p:cTn id="22" presetClass="entr" nodeType="clickEffect" presetSubtype="0" presetID="1" grpId="1" fill="hold">
                                   <p:stCondLst>
                                     <p:cond delay="0"/>
                                   </p:stCondLst>
@@ -5040,7 +5205,7 @@
                                   <p:childTnLst>
                                     <p:set>
                                       <p:cBhvr>
-                                        <p:cTn id="24" fill="hold"/>
+                                        <p:cTn id="23" fill="hold"/>
                                         <p:tgtEl>
                                           <p:spTgt spid="143">
                                             <p:txEl>
@@ -5066,19 +5231,19 @@
                     </p:cTn>
                   </p:par>
                   <p:par>
-                    <p:cTn id="25" fill="hold">
+                    <p:cTn id="24" fill="hold">
                       <p:stCondLst>
                         <p:cond delay="indefinite"/>
                       </p:stCondLst>
                       <p:childTnLst>
                         <p:par>
-                          <p:cTn id="26" fill="hold">
+                          <p:cTn id="25" fill="hold">
                             <p:stCondLst>
                               <p:cond delay="0"/>
                             </p:stCondLst>
                             <p:childTnLst>
                               <p:par>
-                                <p:cTn id="27" presetClass="entr" nodeType="clickEffect" presetSubtype="0" presetID="1" grpId="1" fill="hold">
+                                <p:cTn id="26" presetClass="entr" nodeType="clickEffect" presetSubtype="0" presetID="1" grpId="1" fill="hold">
                                   <p:stCondLst>
                                     <p:cond delay="0"/>
                                   </p:stCondLst>
@@ -5088,7 +5253,7 @@
                                   <p:childTnLst>
                                     <p:set>
                                       <p:cBhvr>
-                                        <p:cTn id="28" fill="hold"/>
+                                        <p:cTn id="27" fill="hold"/>
                                         <p:tgtEl>
                                           <p:spTgt spid="143">
                                             <p:txEl>
@@ -5114,19 +5279,19 @@
                     </p:cTn>
                   </p:par>
                   <p:par>
-                    <p:cTn id="29" fill="hold">
+                    <p:cTn id="28" fill="hold">
                       <p:stCondLst>
                         <p:cond delay="indefinite"/>
                       </p:stCondLst>
                       <p:childTnLst>
                         <p:par>
-                          <p:cTn id="30" fill="hold">
+                          <p:cTn id="29" fill="hold">
                             <p:stCondLst>
                               <p:cond delay="0"/>
                             </p:stCondLst>
                             <p:childTnLst>
                               <p:par>
-                                <p:cTn id="31" presetClass="entr" nodeType="clickEffect" presetSubtype="0" presetID="1" grpId="1" fill="hold">
+                                <p:cTn id="30" presetClass="entr" nodeType="clickEffect" presetSubtype="0" presetID="1" grpId="1" fill="hold">
                                   <p:stCondLst>
                                     <p:cond delay="0"/>
                                   </p:stCondLst>
@@ -5136,7 +5301,7 @@
                                   <p:childTnLst>
                                     <p:set>
                                       <p:cBhvr>
-                                        <p:cTn id="32" fill="hold"/>
+                                        <p:cTn id="31" fill="hold"/>
                                         <p:tgtEl>
                                           <p:spTgt spid="143">
                                             <p:txEl>
@@ -5162,19 +5327,19 @@
                     </p:cTn>
                   </p:par>
                   <p:par>
-                    <p:cTn id="33" fill="hold">
+                    <p:cTn id="32" fill="hold">
                       <p:stCondLst>
                         <p:cond delay="indefinite"/>
                       </p:stCondLst>
                       <p:childTnLst>
                         <p:par>
-                          <p:cTn id="34" fill="hold">
+                          <p:cTn id="33" fill="hold">
                             <p:stCondLst>
                               <p:cond delay="0"/>
                             </p:stCondLst>
                             <p:childTnLst>
                               <p:par>
-                                <p:cTn id="35" presetClass="entr" nodeType="clickEffect" presetSubtype="0" presetID="1" grpId="1" fill="hold">
+                                <p:cTn id="34" presetClass="entr" nodeType="clickEffect" presetSubtype="0" presetID="1" grpId="1" fill="hold">
                                   <p:stCondLst>
                                     <p:cond delay="0"/>
                                   </p:stCondLst>
@@ -5184,7 +5349,7 @@
                                   <p:childTnLst>
                                     <p:set>
                                       <p:cBhvr>
-                                        <p:cTn id="36" fill="hold"/>
+                                        <p:cTn id="35" fill="hold"/>
                                         <p:tgtEl>
                                           <p:spTgt spid="143">
                                             <p:txEl>
@@ -5210,19 +5375,19 @@
                     </p:cTn>
                   </p:par>
                   <p:par>
-                    <p:cTn id="37" fill="hold">
+                    <p:cTn id="36" fill="hold">
                       <p:stCondLst>
                         <p:cond delay="indefinite"/>
                       </p:stCondLst>
                       <p:childTnLst>
                         <p:par>
-                          <p:cTn id="38" fill="hold">
+                          <p:cTn id="37" fill="hold">
                             <p:stCondLst>
                               <p:cond delay="0"/>
                             </p:stCondLst>
                             <p:childTnLst>
                               <p:par>
-                                <p:cTn id="39" presetClass="entr" nodeType="clickEffect" presetSubtype="0" presetID="1" grpId="1" fill="hold">
+                                <p:cTn id="38" presetClass="entr" nodeType="clickEffect" presetSubtype="0" presetID="1" grpId="1" fill="hold">
                                   <p:stCondLst>
                                     <p:cond delay="0"/>
                                   </p:stCondLst>
@@ -5232,7 +5397,7 @@
                                   <p:childTnLst>
                                     <p:set>
                                       <p:cBhvr>
-                                        <p:cTn id="40" fill="hold"/>
+                                        <p:cTn id="39" fill="hold"/>
                                         <p:tgtEl>
                                           <p:spTgt spid="143">
                                             <p:txEl>
@@ -5258,19 +5423,19 @@
                     </p:cTn>
                   </p:par>
                   <p:par>
-                    <p:cTn id="41" fill="hold">
+                    <p:cTn id="40" fill="hold">
                       <p:stCondLst>
                         <p:cond delay="indefinite"/>
                       </p:stCondLst>
                       <p:childTnLst>
                         <p:par>
-                          <p:cTn id="42" fill="hold">
+                          <p:cTn id="41" fill="hold">
                             <p:stCondLst>
                               <p:cond delay="0"/>
                             </p:stCondLst>
                             <p:childTnLst>
                               <p:par>
-                                <p:cTn id="43" presetClass="entr" nodeType="clickEffect" presetSubtype="0" presetID="1" grpId="1" fill="hold">
+                                <p:cTn id="42" presetClass="entr" nodeType="clickEffect" presetSubtype="0" presetID="1" grpId="1" fill="hold">
                                   <p:stCondLst>
                                     <p:cond delay="0"/>
                                   </p:stCondLst>
@@ -5280,7 +5445,7 @@
                                   <p:childTnLst>
                                     <p:set>
                                       <p:cBhvr>
-                                        <p:cTn id="44" fill="hold"/>
+                                        <p:cTn id="43" fill="hold"/>
                                         <p:tgtEl>
                                           <p:spTgt spid="143">
                                             <p:txEl>
@@ -5306,19 +5471,19 @@
                     </p:cTn>
                   </p:par>
                   <p:par>
-                    <p:cTn id="45" fill="hold">
+                    <p:cTn id="44" fill="hold">
                       <p:stCondLst>
                         <p:cond delay="indefinite"/>
                       </p:stCondLst>
                       <p:childTnLst>
                         <p:par>
-                          <p:cTn id="46" fill="hold">
+                          <p:cTn id="45" fill="hold">
                             <p:stCondLst>
                               <p:cond delay="0"/>
                             </p:stCondLst>
                             <p:childTnLst>
                               <p:par>
-                                <p:cTn id="47" presetClass="entr" nodeType="clickEffect" presetSubtype="0" presetID="1" grpId="1" fill="hold">
+                                <p:cTn id="46" presetClass="entr" nodeType="clickEffect" presetSubtype="0" presetID="1" grpId="1" fill="hold">
                                   <p:stCondLst>
                                     <p:cond delay="0"/>
                                   </p:stCondLst>
@@ -5328,7 +5493,7 @@
                                   <p:childTnLst>
                                     <p:set>
                                       <p:cBhvr>
-                                        <p:cTn id="48" fill="hold"/>
+                                        <p:cTn id="47" fill="hold"/>
                                         <p:tgtEl>
                                           <p:spTgt spid="143">
                                             <p:txEl>
@@ -5354,19 +5519,19 @@
                     </p:cTn>
                   </p:par>
                   <p:par>
-                    <p:cTn id="49" fill="hold">
+                    <p:cTn id="48" fill="hold">
                       <p:stCondLst>
                         <p:cond delay="indefinite"/>
                       </p:stCondLst>
                       <p:childTnLst>
                         <p:par>
-                          <p:cTn id="50" fill="hold">
+                          <p:cTn id="49" fill="hold">
                             <p:stCondLst>
                               <p:cond delay="0"/>
                             </p:stCondLst>
                             <p:childTnLst>
                               <p:par>
-                                <p:cTn id="51" presetClass="entr" nodeType="clickEffect" presetSubtype="0" presetID="1" grpId="1" fill="hold">
+                                <p:cTn id="50" presetClass="entr" nodeType="clickEffect" presetSubtype="0" presetID="1" grpId="1" fill="hold">
                                   <p:stCondLst>
                                     <p:cond delay="0"/>
                                   </p:stCondLst>
@@ -5376,7 +5541,7 @@
                                   <p:childTnLst>
                                     <p:set>
                                       <p:cBhvr>
-                                        <p:cTn id="52" fill="hold"/>
+                                        <p:cTn id="51" fill="hold"/>
                                         <p:tgtEl>
                                           <p:spTgt spid="143">
                                             <p:txEl>
@@ -5402,19 +5567,19 @@
                     </p:cTn>
                   </p:par>
                   <p:par>
-                    <p:cTn id="53" fill="hold">
+                    <p:cTn id="52" fill="hold">
                       <p:stCondLst>
                         <p:cond delay="indefinite"/>
                       </p:stCondLst>
                       <p:childTnLst>
                         <p:par>
-                          <p:cTn id="54" fill="hold">
+                          <p:cTn id="53" fill="hold">
                             <p:stCondLst>
                               <p:cond delay="0"/>
                             </p:stCondLst>
                             <p:childTnLst>
                               <p:par>
-                                <p:cTn id="55" presetClass="entr" nodeType="clickEffect" presetSubtype="0" presetID="1" grpId="1" fill="hold">
+                                <p:cTn id="54" presetClass="entr" nodeType="clickEffect" presetSubtype="0" presetID="1" grpId="1" fill="hold">
                                   <p:stCondLst>
                                     <p:cond delay="0"/>
                                   </p:stCondLst>
@@ -5424,7 +5589,7 @@
                                   <p:childTnLst>
                                     <p:set>
                                       <p:cBhvr>
-                                        <p:cTn id="56" fill="hold"/>
+                                        <p:cTn id="55" fill="hold"/>
                                         <p:tgtEl>
                                           <p:spTgt spid="143">
                                             <p:txEl>
@@ -5450,19 +5615,19 @@
                     </p:cTn>
                   </p:par>
                   <p:par>
-                    <p:cTn id="57" fill="hold">
+                    <p:cTn id="56" fill="hold">
                       <p:stCondLst>
                         <p:cond delay="indefinite"/>
                       </p:stCondLst>
                       <p:childTnLst>
                         <p:par>
-                          <p:cTn id="58" fill="hold">
+                          <p:cTn id="57" fill="hold">
                             <p:stCondLst>
                               <p:cond delay="0"/>
                             </p:stCondLst>
                             <p:childTnLst>
                               <p:par>
-                                <p:cTn id="59" presetClass="entr" nodeType="clickEffect" presetSubtype="0" presetID="1" grpId="1" fill="hold">
+                                <p:cTn id="58" presetClass="entr" nodeType="clickEffect" presetSubtype="0" presetID="1" grpId="1" fill="hold">
                                   <p:stCondLst>
                                     <p:cond delay="0"/>
                                   </p:stCondLst>
@@ -5472,7 +5637,7 @@
                                   <p:childTnLst>
                                     <p:set>
                                       <p:cBhvr>
-                                        <p:cTn id="60" fill="hold"/>
+                                        <p:cTn id="59" fill="hold"/>
                                         <p:tgtEl>
                                           <p:spTgt spid="143">
                                             <p:txEl>
@@ -5498,19 +5663,19 @@
                     </p:cTn>
                   </p:par>
                   <p:par>
-                    <p:cTn id="61" fill="hold">
+                    <p:cTn id="60" fill="hold">
                       <p:stCondLst>
                         <p:cond delay="indefinite"/>
                       </p:stCondLst>
                       <p:childTnLst>
                         <p:par>
-                          <p:cTn id="62" fill="hold">
+                          <p:cTn id="61" fill="hold">
                             <p:stCondLst>
                               <p:cond delay="0"/>
                             </p:stCondLst>
                             <p:childTnLst>
                               <p:par>
-                                <p:cTn id="63" presetClass="entr" nodeType="clickEffect" presetSubtype="0" presetID="1" grpId="1" fill="hold">
+                                <p:cTn id="62" presetClass="entr" nodeType="clickEffect" presetSubtype="0" presetID="1" grpId="1" fill="hold">
                                   <p:stCondLst>
                                     <p:cond delay="0"/>
                                   </p:stCondLst>
@@ -5520,7 +5685,7 @@
                                   <p:childTnLst>
                                     <p:set>
                                       <p:cBhvr>
-                                        <p:cTn id="64" fill="hold"/>
+                                        <p:cTn id="63" fill="hold"/>
                                         <p:tgtEl>
                                           <p:spTgt spid="143">
                                             <p:txEl>
@@ -5639,7 +5804,7 @@
         <p:spPr>
           <a:xfrm>
             <a:off x="853414" y="852842"/>
-            <a:ext cx="5823724" cy="3019330"/>
+            <a:ext cx="5823724" cy="3019331"/>
           </a:xfrm>
           <a:prstGeom prst="rect">
             <a:avLst/>
@@ -5722,8 +5887,8 @@
         </p:blipFill>
         <p:spPr>
           <a:xfrm>
-            <a:off x="1032909" y="974775"/>
-            <a:ext cx="5537538" cy="2811366"/>
+            <a:off x="1032909" y="974774"/>
+            <a:ext cx="5537539" cy="2811367"/>
           </a:xfrm>
           <a:prstGeom prst="rect">
             <a:avLst/>
@@ -5785,14 +5950,14 @@
     </a:clrScheme>
     <a:fontScheme name="Simple Light">
       <a:majorFont>
+        <a:latin typeface="Helvetica"/>
+        <a:ea typeface="Helvetica"/>
+        <a:cs typeface="Helvetica"/>
+      </a:majorFont>
+      <a:minorFont>
         <a:latin typeface="Arial"/>
         <a:ea typeface="Arial"/>
         <a:cs typeface="Arial"/>
-      </a:majorFont>
-      <a:minorFont>
-        <a:latin typeface="Helvetica"/>
-        <a:ea typeface="Helvetica"/>
-        <a:cs typeface="Helvetica"/>
       </a:minorFont>
     </a:fontScheme>
     <a:fmtScheme name="Simple Light">
@@ -5874,13 +6039,7 @@
           <a:effectLst/>
         </a:effectStyle>
         <a:effectStyle>
-          <a:effectLst>
-            <a:outerShdw sx="100000" sy="100000" kx="0" ky="0" algn="b" rotWithShape="0" blurRad="38100" dist="20000" dir="5400000">
-              <a:srgbClr val="000000">
-                <a:alpha val="38000"/>
-              </a:srgbClr>
-            </a:outerShdw>
-          </a:effectLst>
+          <a:effectLst/>
         </a:effectStyle>
       </a:effectStyleLst>
       <a:bgFillStyleLst>
@@ -5982,7 +6141,7 @@
             <a:latin typeface="+mj-lt"/>
             <a:ea typeface="+mj-ea"/>
             <a:cs typeface="+mj-cs"/>
-            <a:sym typeface="Arial"/>
+            <a:sym typeface="Helvetica"/>
           </a:defRPr>
         </a:defPPr>
         <a:lvl1pPr marL="0" marR="0" indent="0" algn="l" defTabSz="914400" rtl="0" fontAlgn="auto" latinLnBrk="1" hangingPunct="0">
@@ -6237,13 +6396,7 @@
           <a:prstDash val="solid"/>
           <a:round/>
         </a:ln>
-        <a:effectLst>
-          <a:outerShdw sx="100000" sy="100000" kx="0" ky="0" algn="b" rotWithShape="0" blurRad="38100" dist="20000" dir="5400000">
-            <a:srgbClr val="000000">
-              <a:alpha val="38000"/>
-            </a:srgbClr>
-          </a:outerShdw>
-        </a:effectLst>
+        <a:effectLst/>
         <a:sp3d/>
       </a:spPr>
       <a:bodyPr rot="0" spcFirstLastPara="1" vertOverflow="overflow" horzOverflow="overflow" vert="horz" wrap="square" lIns="91439" tIns="45719" rIns="91439" bIns="45719" numCol="1" spcCol="38100" rtlCol="0" anchor="t" upright="0">
@@ -6559,7 +6712,7 @@
             <a:latin typeface="+mj-lt"/>
             <a:ea typeface="+mj-ea"/>
             <a:cs typeface="+mj-cs"/>
-            <a:sym typeface="Arial"/>
+            <a:sym typeface="Helvetica"/>
           </a:defRPr>
         </a:defPPr>
         <a:lvl1pPr marL="0" marR="0" indent="0" algn="l" defTabSz="914400" rtl="0" fontAlgn="auto" latinLnBrk="1" hangingPunct="0">
@@ -6851,14 +7004,14 @@
     </a:clrScheme>
     <a:fontScheme name="Simple Light">
       <a:majorFont>
+        <a:latin typeface="Helvetica"/>
+        <a:ea typeface="Helvetica"/>
+        <a:cs typeface="Helvetica"/>
+      </a:majorFont>
+      <a:minorFont>
         <a:latin typeface="Arial"/>
         <a:ea typeface="Arial"/>
         <a:cs typeface="Arial"/>
-      </a:majorFont>
-      <a:minorFont>
-        <a:latin typeface="Helvetica"/>
-        <a:ea typeface="Helvetica"/>
-        <a:cs typeface="Helvetica"/>
       </a:minorFont>
     </a:fontScheme>
     <a:fmtScheme name="Simple Light">
@@ -6940,13 +7093,7 @@
           <a:effectLst/>
         </a:effectStyle>
         <a:effectStyle>
-          <a:effectLst>
-            <a:outerShdw sx="100000" sy="100000" kx="0" ky="0" algn="b" rotWithShape="0" blurRad="38100" dist="20000" dir="5400000">
-              <a:srgbClr val="000000">
-                <a:alpha val="38000"/>
-              </a:srgbClr>
-            </a:outerShdw>
-          </a:effectLst>
+          <a:effectLst/>
         </a:effectStyle>
       </a:effectStyleLst>
       <a:bgFillStyleLst>
@@ -7048,7 +7195,7 @@
             <a:latin typeface="+mj-lt"/>
             <a:ea typeface="+mj-ea"/>
             <a:cs typeface="+mj-cs"/>
-            <a:sym typeface="Arial"/>
+            <a:sym typeface="Helvetica"/>
           </a:defRPr>
         </a:defPPr>
         <a:lvl1pPr marL="0" marR="0" indent="0" algn="l" defTabSz="914400" rtl="0" fontAlgn="auto" latinLnBrk="1" hangingPunct="0">
@@ -7303,13 +7450,7 @@
           <a:prstDash val="solid"/>
           <a:round/>
         </a:ln>
-        <a:effectLst>
-          <a:outerShdw sx="100000" sy="100000" kx="0" ky="0" algn="b" rotWithShape="0" blurRad="38100" dist="20000" dir="5400000">
-            <a:srgbClr val="000000">
-              <a:alpha val="38000"/>
-            </a:srgbClr>
-          </a:outerShdw>
-        </a:effectLst>
+        <a:effectLst/>
         <a:sp3d/>
       </a:spPr>
       <a:bodyPr rot="0" spcFirstLastPara="1" vertOverflow="overflow" horzOverflow="overflow" vert="horz" wrap="square" lIns="91439" tIns="45719" rIns="91439" bIns="45719" numCol="1" spcCol="38100" rtlCol="0" anchor="t" upright="0">
@@ -7625,7 +7766,7 @@
             <a:latin typeface="+mj-lt"/>
             <a:ea typeface="+mj-ea"/>
             <a:cs typeface="+mj-cs"/>
-            <a:sym typeface="Arial"/>
+            <a:sym typeface="Helvetica"/>
           </a:defRPr>
         </a:defPPr>
         <a:lvl1pPr marL="0" marR="0" indent="0" algn="l" defTabSz="914400" rtl="0" fontAlgn="auto" latinLnBrk="1" hangingPunct="0">
